--- a/share_slides/chapter6_深度前馈网络.pptx
+++ b/share_slides/chapter6_深度前馈网络.pptx
@@ -3904,8 +3904,8 @@
         </a:p>
       </dgm:t>
     </dgm:pt>
-    <mc:AlternateContent xmlns:mc="http://schemas.openxmlformats.org/markup-compatibility/2006">
-      <mc:Choice xmlns:a14="http://schemas.microsoft.com/office/drawing/2010/main" Requires="a14">
+    <mc:AlternateContent xmlns:mc="http://schemas.openxmlformats.org/markup-compatibility/2006" xmlns:a14="http://schemas.microsoft.com/office/drawing/2010/main">
+      <mc:Choice Requires="a14">
         <dgm:pt modelId="{C5D426DF-B065-4031-B2F5-FFE4A39745BF}">
           <dgm:prSet phldrT="[文本]" custT="1"/>
           <dgm:spPr/>
@@ -3990,7 +3990,7 @@
           </dgm:t>
         </dgm:pt>
       </mc:Choice>
-      <mc:Fallback>
+      <mc:Fallback xmlns="">
         <dgm:pt modelId="{C5D426DF-B065-4031-B2F5-FFE4A39745BF}">
           <dgm:prSet phldrT="[文本]" custT="1"/>
           <dgm:spPr/>
@@ -4170,6 +4170,13 @@
         </dgm:presLayoutVars>
       </dgm:prSet>
       <dgm:spPr/>
+      <dgm:t>
+        <a:bodyPr/>
+        <a:lstStyle/>
+        <a:p>
+          <a:endParaRPr lang="zh-CN" altLang="en-US"/>
+        </a:p>
+      </dgm:t>
     </dgm:pt>
     <dgm:pt modelId="{9DC68291-5733-4EF2-9044-7CAAC6759482}" type="pres">
       <dgm:prSet presAssocID="{D8A493B1-E0E7-4C91-A598-FFE152C8A898}" presName="Name1" presStyleCnt="0"/>
@@ -4186,6 +4193,13 @@
     <dgm:pt modelId="{8854F372-5434-4550-87BD-F007AA81AC04}" type="pres">
       <dgm:prSet presAssocID="{D8A493B1-E0E7-4C91-A598-FFE152C8A898}" presName="conn" presStyleLbl="parChTrans1D2" presStyleIdx="0" presStyleCnt="1"/>
       <dgm:spPr/>
+      <dgm:t>
+        <a:bodyPr/>
+        <a:lstStyle/>
+        <a:p>
+          <a:endParaRPr lang="zh-CN" altLang="en-US"/>
+        </a:p>
+      </dgm:t>
     </dgm:pt>
     <dgm:pt modelId="{BBC510FC-7D16-424D-94B8-F3A7F351BE8F}" type="pres">
       <dgm:prSet presAssocID="{D8A493B1-E0E7-4C91-A598-FFE152C8A898}" presName="extraNode" presStyleLbl="node1" presStyleIdx="0" presStyleCnt="3"/>
@@ -4261,6 +4275,13 @@
         </dgm:presLayoutVars>
       </dgm:prSet>
       <dgm:spPr/>
+      <dgm:t>
+        <a:bodyPr/>
+        <a:lstStyle/>
+        <a:p>
+          <a:endParaRPr lang="zh-CN" altLang="en-US"/>
+        </a:p>
+      </dgm:t>
     </dgm:pt>
     <dgm:pt modelId="{D7A65B81-E62B-4260-9705-DCD261793860}" type="pres">
       <dgm:prSet presAssocID="{03568AB1-1926-4443-851E-74F4AC896A19}" presName="accent_3" presStyleCnt="0"/>
@@ -4949,6 +4970,13 @@
         </dgm:presLayoutVars>
       </dgm:prSet>
       <dgm:spPr/>
+      <dgm:t>
+        <a:bodyPr/>
+        <a:lstStyle/>
+        <a:p>
+          <a:endParaRPr lang="zh-CN" altLang="en-US"/>
+        </a:p>
+      </dgm:t>
     </dgm:pt>
     <dgm:pt modelId="{3653677A-DB53-43D3-9BA0-BBF0B6A8C2B2}" type="pres">
       <dgm:prSet presAssocID="{1F2431CC-B7C4-4085-831A-81DEB4098596}" presName="linNode" presStyleCnt="0"/>
@@ -4962,6 +4990,13 @@
         </dgm:presLayoutVars>
       </dgm:prSet>
       <dgm:spPr/>
+      <dgm:t>
+        <a:bodyPr/>
+        <a:lstStyle/>
+        <a:p>
+          <a:endParaRPr lang="zh-CN" altLang="en-US"/>
+        </a:p>
+      </dgm:t>
     </dgm:pt>
     <dgm:pt modelId="{16685516-2B3B-405E-B7A8-CA60CF319AEF}" type="pres">
       <dgm:prSet presAssocID="{1F2431CC-B7C4-4085-831A-81DEB4098596}" presName="descendantText" presStyleLbl="alignAccFollowNode1" presStyleIdx="0" presStyleCnt="2">
@@ -4970,6 +5005,13 @@
         </dgm:presLayoutVars>
       </dgm:prSet>
       <dgm:spPr/>
+      <dgm:t>
+        <a:bodyPr/>
+        <a:lstStyle/>
+        <a:p>
+          <a:endParaRPr lang="zh-CN" altLang="en-US"/>
+        </a:p>
+      </dgm:t>
     </dgm:pt>
     <dgm:pt modelId="{FC9B288A-AACF-4D27-A7D4-6A390380A924}" type="pres">
       <dgm:prSet presAssocID="{D8BDE703-5723-4262-A6C1-743D6472F407}" presName="sp" presStyleCnt="0"/>
@@ -5002,6 +5044,13 @@
         </dgm:presLayoutVars>
       </dgm:prSet>
       <dgm:spPr/>
+      <dgm:t>
+        <a:bodyPr/>
+        <a:lstStyle/>
+        <a:p>
+          <a:endParaRPr lang="zh-CN" altLang="en-US"/>
+        </a:p>
+      </dgm:t>
     </dgm:pt>
   </dgm:ptLst>
   <dgm:cxnLst>
@@ -5016,8 +5065,8 @@
     <dgm:cxn modelId="{87CF78B1-EDF3-4326-8BB6-011D770F1B15}" type="presOf" srcId="{7DB7EF64-5214-4B48-A786-2BFEB054D3FD}" destId="{41FBEF5D-B7B9-4300-93B9-A2E777800EC2}" srcOrd="0" destOrd="0" presId="urn:microsoft.com/office/officeart/2005/8/layout/vList5"/>
     <dgm:cxn modelId="{5608514B-9BD3-4FA8-9990-18D17734A979}" srcId="{B8E3BE33-78E3-430B-B17B-82F12715A909}" destId="{7DB7EF64-5214-4B48-A786-2BFEB054D3FD}" srcOrd="1" destOrd="0" parTransId="{29CBFE56-1872-4DED-9FBD-07555D5BA1C1}" sibTransId="{D27F2418-50E9-496D-91A8-D2B3779C7B32}"/>
     <dgm:cxn modelId="{772CB181-601C-41AD-B0B9-D825645B0B10}" type="presOf" srcId="{D553DEB8-599A-4FA2-B7A1-51618C167267}" destId="{D8DC1095-699D-4CF0-929F-8D43EAC2E950}" srcOrd="0" destOrd="1" presId="urn:microsoft.com/office/officeart/2005/8/layout/vList5"/>
+    <dgm:cxn modelId="{D31AB963-8A89-45FD-B461-5D12EA48D2C0}" type="presOf" srcId="{CBC8114E-72A7-4F99-9CD7-165D6B793917}" destId="{D8DC1095-699D-4CF0-929F-8D43EAC2E950}" srcOrd="0" destOrd="0" presId="urn:microsoft.com/office/officeart/2005/8/layout/vList5"/>
     <dgm:cxn modelId="{4030CFA9-FF34-4CEC-BE36-0F65173F65A8}" srcId="{7DB7EF64-5214-4B48-A786-2BFEB054D3FD}" destId="{D553DEB8-599A-4FA2-B7A1-51618C167267}" srcOrd="1" destOrd="0" parTransId="{EFD92EF9-AE74-4B1D-800B-FD87D1242611}" sibTransId="{A428D90D-2661-46DE-84D3-AAACDB05608B}"/>
-    <dgm:cxn modelId="{D31AB963-8A89-45FD-B461-5D12EA48D2C0}" type="presOf" srcId="{CBC8114E-72A7-4F99-9CD7-165D6B793917}" destId="{D8DC1095-699D-4CF0-929F-8D43EAC2E950}" srcOrd="0" destOrd="0" presId="urn:microsoft.com/office/officeart/2005/8/layout/vList5"/>
     <dgm:cxn modelId="{4E0B27D5-0D48-4E05-8672-455857712DB6}" type="presParOf" srcId="{93FC642A-2F5A-42A1-AE79-27E5A773F90A}" destId="{3653677A-DB53-43D3-9BA0-BBF0B6A8C2B2}" srcOrd="0" destOrd="0" presId="urn:microsoft.com/office/officeart/2005/8/layout/vList5"/>
     <dgm:cxn modelId="{B14DDCA3-A203-4DDD-9283-023CF0BB36EF}" type="presParOf" srcId="{3653677A-DB53-43D3-9BA0-BBF0B6A8C2B2}" destId="{A097F433-7E43-4E1A-9CA2-79FEE72C59A6}" srcOrd="0" destOrd="0" presId="urn:microsoft.com/office/officeart/2005/8/layout/vList5"/>
     <dgm:cxn modelId="{BCE526F7-BF02-451A-B63B-2F8E7207F258}" type="presParOf" srcId="{3653677A-DB53-43D3-9BA0-BBF0B6A8C2B2}" destId="{16685516-2B3B-405E-B7A8-CA60CF319AEF}" srcOrd="1" destOrd="0" presId="urn:microsoft.com/office/officeart/2005/8/layout/vList5"/>
@@ -5396,6 +5445,13 @@
         </dgm:presLayoutVars>
       </dgm:prSet>
       <dgm:spPr/>
+      <dgm:t>
+        <a:bodyPr/>
+        <a:lstStyle/>
+        <a:p>
+          <a:endParaRPr lang="zh-CN" altLang="en-US"/>
+        </a:p>
+      </dgm:t>
     </dgm:pt>
     <dgm:pt modelId="{3653677A-DB53-43D3-9BA0-BBF0B6A8C2B2}" type="pres">
       <dgm:prSet presAssocID="{1F2431CC-B7C4-4085-831A-81DEB4098596}" presName="linNode" presStyleCnt="0"/>
@@ -5409,6 +5465,13 @@
         </dgm:presLayoutVars>
       </dgm:prSet>
       <dgm:spPr/>
+      <dgm:t>
+        <a:bodyPr/>
+        <a:lstStyle/>
+        <a:p>
+          <a:endParaRPr lang="zh-CN" altLang="en-US"/>
+        </a:p>
+      </dgm:t>
     </dgm:pt>
     <dgm:pt modelId="{16685516-2B3B-405E-B7A8-CA60CF319AEF}" type="pres">
       <dgm:prSet presAssocID="{1F2431CC-B7C4-4085-831A-81DEB4098596}" presName="descendantText" presStyleLbl="alignAccFollowNode1" presStyleIdx="0" presStyleCnt="2">
@@ -5456,6 +5519,13 @@
         </dgm:presLayoutVars>
       </dgm:prSet>
       <dgm:spPr/>
+      <dgm:t>
+        <a:bodyPr/>
+        <a:lstStyle/>
+        <a:p>
+          <a:endParaRPr lang="zh-CN" altLang="en-US"/>
+        </a:p>
+      </dgm:t>
     </dgm:pt>
   </dgm:ptLst>
   <dgm:cxnLst>
@@ -5467,9 +5537,9 @@
     <dgm:cxn modelId="{83ED87A9-818D-4480-A9BA-830D7575BB49}" srcId="{1F2431CC-B7C4-4085-831A-81DEB4098596}" destId="{70FC67BD-DE5C-4634-878F-1F71263ACA15}" srcOrd="0" destOrd="0" parTransId="{EAF7603A-B5DE-4F35-B193-8BEA91229290}" sibTransId="{904F99E9-870A-4F49-A0F0-44E9940F3299}"/>
     <dgm:cxn modelId="{1B13AD3E-309A-40B7-90E3-936710D994F0}" type="presOf" srcId="{5CECBB0A-BFF1-4D36-A307-78ADC0EC1C63}" destId="{16685516-2B3B-405E-B7A8-CA60CF319AEF}" srcOrd="0" destOrd="1" presId="urn:microsoft.com/office/officeart/2005/8/layout/vList5"/>
     <dgm:cxn modelId="{12CABF6F-ED14-4CD5-B22E-AFA2DAE647EB}" type="presOf" srcId="{D553DEB8-599A-4FA2-B7A1-51618C167267}" destId="{D8DC1095-699D-4CF0-929F-8D43EAC2E950}" srcOrd="0" destOrd="1" presId="urn:microsoft.com/office/officeart/2005/8/layout/vList5"/>
-    <dgm:cxn modelId="{4030CFA9-FF34-4CEC-BE36-0F65173F65A8}" srcId="{7DB7EF64-5214-4B48-A786-2BFEB054D3FD}" destId="{D553DEB8-599A-4FA2-B7A1-51618C167267}" srcOrd="1" destOrd="0" parTransId="{EFD92EF9-AE74-4B1D-800B-FD87D1242611}" sibTransId="{A428D90D-2661-46DE-84D3-AAACDB05608B}"/>
     <dgm:cxn modelId="{9EF5CC6A-E5B9-445B-94BC-3B043A98880C}" type="presOf" srcId="{B8E3BE33-78E3-430B-B17B-82F12715A909}" destId="{93FC642A-2F5A-42A1-AE79-27E5A773F90A}" srcOrd="0" destOrd="0" presId="urn:microsoft.com/office/officeart/2005/8/layout/vList5"/>
     <dgm:cxn modelId="{041B9A3F-1809-47BB-8519-8C4B40DD4BFA}" type="presOf" srcId="{7DB7EF64-5214-4B48-A786-2BFEB054D3FD}" destId="{41FBEF5D-B7B9-4300-93B9-A2E777800EC2}" srcOrd="0" destOrd="0" presId="urn:microsoft.com/office/officeart/2005/8/layout/vList5"/>
+    <dgm:cxn modelId="{4030CFA9-FF34-4CEC-BE36-0F65173F65A8}" srcId="{7DB7EF64-5214-4B48-A786-2BFEB054D3FD}" destId="{D553DEB8-599A-4FA2-B7A1-51618C167267}" srcOrd="1" destOrd="0" parTransId="{EFD92EF9-AE74-4B1D-800B-FD87D1242611}" sibTransId="{A428D90D-2661-46DE-84D3-AAACDB05608B}"/>
     <dgm:cxn modelId="{E40D2E79-804E-4F96-8FD2-A4D06BDF8BAD}" srcId="{7DB7EF64-5214-4B48-A786-2BFEB054D3FD}" destId="{CBC8114E-72A7-4F99-9CD7-165D6B793917}" srcOrd="0" destOrd="0" parTransId="{4B119E7B-BC99-4887-A769-C11AEB88ED58}" sibTransId="{29C4379F-2474-4D55-988C-0B62312F1A5C}"/>
     <dgm:cxn modelId="{C0552150-36D0-46F6-A06D-AEE0C4E92D43}" srcId="{1F2431CC-B7C4-4085-831A-81DEB4098596}" destId="{5CECBB0A-BFF1-4D36-A307-78ADC0EC1C63}" srcOrd="1" destOrd="0" parTransId="{3FEC2250-1C75-48B6-95A7-49C0C8CFD7AA}" sibTransId="{4BEB56FC-2685-4556-8050-ED39D8E29996}"/>
     <dgm:cxn modelId="{5608514B-9BD3-4FA8-9990-18D17734A979}" srcId="{B8E3BE33-78E3-430B-B17B-82F12715A909}" destId="{7DB7EF64-5214-4B48-A786-2BFEB054D3FD}" srcOrd="1" destOrd="0" parTransId="{29CBFE56-1872-4DED-9FBD-07555D5BA1C1}" sibTransId="{D27F2418-50E9-496D-91A8-D2B3779C7B32}"/>
@@ -5803,6 +5873,13 @@
         </dgm:presLayoutVars>
       </dgm:prSet>
       <dgm:spPr/>
+      <dgm:t>
+        <a:bodyPr/>
+        <a:lstStyle/>
+        <a:p>
+          <a:endParaRPr lang="zh-CN" altLang="en-US"/>
+        </a:p>
+      </dgm:t>
     </dgm:pt>
     <dgm:pt modelId="{3653677A-DB53-43D3-9BA0-BBF0B6A8C2B2}" type="pres">
       <dgm:prSet presAssocID="{1F2431CC-B7C4-4085-831A-81DEB4098596}" presName="linNode" presStyleCnt="0"/>
@@ -5816,6 +5893,13 @@
         </dgm:presLayoutVars>
       </dgm:prSet>
       <dgm:spPr/>
+      <dgm:t>
+        <a:bodyPr/>
+        <a:lstStyle/>
+        <a:p>
+          <a:endParaRPr lang="zh-CN" altLang="en-US"/>
+        </a:p>
+      </dgm:t>
     </dgm:pt>
     <dgm:pt modelId="{16685516-2B3B-405E-B7A8-CA60CF319AEF}" type="pres">
       <dgm:prSet presAssocID="{1F2431CC-B7C4-4085-831A-81DEB4098596}" presName="descendantText" presStyleLbl="alignAccFollowNode1" presStyleIdx="0" presStyleCnt="2">
@@ -5873,19 +5957,19 @@
     </dgm:pt>
   </dgm:ptLst>
   <dgm:cxnLst>
-    <dgm:cxn modelId="{79B826B9-275E-4689-9199-F684C84D27B0}" type="presOf" srcId="{5CECBB0A-BFF1-4D36-A307-78ADC0EC1C63}" destId="{16685516-2B3B-405E-B7A8-CA60CF319AEF}" srcOrd="0" destOrd="1" presId="urn:microsoft.com/office/officeart/2005/8/layout/vList5"/>
+    <dgm:cxn modelId="{6C8E95E3-09B3-47EC-891C-C7533AF35D58}" srcId="{B8E3BE33-78E3-430B-B17B-82F12715A909}" destId="{1F2431CC-B7C4-4085-831A-81DEB4098596}" srcOrd="0" destOrd="0" parTransId="{3262A43D-FB3A-4677-8AD6-2EDEEFBA0BEB}" sibTransId="{D8BDE703-5723-4262-A6C1-743D6472F407}"/>
+    <dgm:cxn modelId="{F054ADCA-C1A8-4016-A124-C183DFEF3979}" type="presOf" srcId="{7DB7EF64-5214-4B48-A786-2BFEB054D3FD}" destId="{41FBEF5D-B7B9-4300-93B9-A2E777800EC2}" srcOrd="0" destOrd="0" presId="urn:microsoft.com/office/officeart/2005/8/layout/vList5"/>
+    <dgm:cxn modelId="{E2A0B940-C076-4C8A-9A3B-E7D7ED2768BD}" srcId="{7DB7EF64-5214-4B48-A786-2BFEB054D3FD}" destId="{87121047-2043-488B-B97F-097D3AFC4F58}" srcOrd="1" destOrd="0" parTransId="{6E837BCC-3D6F-48BE-A732-B5E66D1FA5CD}" sibTransId="{3986C711-715A-4B0C-8E76-BFB6A37836CF}"/>
     <dgm:cxn modelId="{83ED87A9-818D-4480-A9BA-830D7575BB49}" srcId="{1F2431CC-B7C4-4085-831A-81DEB4098596}" destId="{70FC67BD-DE5C-4634-878F-1F71263ACA15}" srcOrd="0" destOrd="0" parTransId="{EAF7603A-B5DE-4F35-B193-8BEA91229290}" sibTransId="{904F99E9-870A-4F49-A0F0-44E9940F3299}"/>
+    <dgm:cxn modelId="{6EC63001-5918-4DD5-AAE0-6779C97AB75D}" type="presOf" srcId="{70FC67BD-DE5C-4634-878F-1F71263ACA15}" destId="{16685516-2B3B-405E-B7A8-CA60CF319AEF}" srcOrd="0" destOrd="0" presId="urn:microsoft.com/office/officeart/2005/8/layout/vList5"/>
+    <dgm:cxn modelId="{BBD1266D-971F-46B2-B665-35A713C3A878}" type="presOf" srcId="{1F2431CC-B7C4-4085-831A-81DEB4098596}" destId="{A097F433-7E43-4E1A-9CA2-79FEE72C59A6}" srcOrd="0" destOrd="0" presId="urn:microsoft.com/office/officeart/2005/8/layout/vList5"/>
+    <dgm:cxn modelId="{9C28316D-9405-451D-BFCD-38B7DAF90F6C}" type="presOf" srcId="{B8E3BE33-78E3-430B-B17B-82F12715A909}" destId="{93FC642A-2F5A-42A1-AE79-27E5A773F90A}" srcOrd="0" destOrd="0" presId="urn:microsoft.com/office/officeart/2005/8/layout/vList5"/>
     <dgm:cxn modelId="{B7664D6B-DFE5-4C5E-9A68-3005359FAEE4}" type="presOf" srcId="{87121047-2043-488B-B97F-097D3AFC4F58}" destId="{D8DC1095-699D-4CF0-929F-8D43EAC2E950}" srcOrd="0" destOrd="1" presId="urn:microsoft.com/office/officeart/2005/8/layout/vList5"/>
-    <dgm:cxn modelId="{BBD1266D-971F-46B2-B665-35A713C3A878}" type="presOf" srcId="{1F2431CC-B7C4-4085-831A-81DEB4098596}" destId="{A097F433-7E43-4E1A-9CA2-79FEE72C59A6}" srcOrd="0" destOrd="0" presId="urn:microsoft.com/office/officeart/2005/8/layout/vList5"/>
-    <dgm:cxn modelId="{6C8E95E3-09B3-47EC-891C-C7533AF35D58}" srcId="{B8E3BE33-78E3-430B-B17B-82F12715A909}" destId="{1F2431CC-B7C4-4085-831A-81DEB4098596}" srcOrd="0" destOrd="0" parTransId="{3262A43D-FB3A-4677-8AD6-2EDEEFBA0BEB}" sibTransId="{D8BDE703-5723-4262-A6C1-743D6472F407}"/>
-    <dgm:cxn modelId="{E2F581CB-78B2-4D81-B07E-540AB7F7DD42}" type="presOf" srcId="{CBC8114E-72A7-4F99-9CD7-165D6B793917}" destId="{D8DC1095-699D-4CF0-929F-8D43EAC2E950}" srcOrd="0" destOrd="0" presId="urn:microsoft.com/office/officeart/2005/8/layout/vList5"/>
     <dgm:cxn modelId="{E40D2E79-804E-4F96-8FD2-A4D06BDF8BAD}" srcId="{7DB7EF64-5214-4B48-A786-2BFEB054D3FD}" destId="{CBC8114E-72A7-4F99-9CD7-165D6B793917}" srcOrd="0" destOrd="0" parTransId="{4B119E7B-BC99-4887-A769-C11AEB88ED58}" sibTransId="{29C4379F-2474-4D55-988C-0B62312F1A5C}"/>
     <dgm:cxn modelId="{C0552150-36D0-46F6-A06D-AEE0C4E92D43}" srcId="{1F2431CC-B7C4-4085-831A-81DEB4098596}" destId="{5CECBB0A-BFF1-4D36-A307-78ADC0EC1C63}" srcOrd="1" destOrd="0" parTransId="{3FEC2250-1C75-48B6-95A7-49C0C8CFD7AA}" sibTransId="{4BEB56FC-2685-4556-8050-ED39D8E29996}"/>
-    <dgm:cxn modelId="{E2A0B940-C076-4C8A-9A3B-E7D7ED2768BD}" srcId="{7DB7EF64-5214-4B48-A786-2BFEB054D3FD}" destId="{87121047-2043-488B-B97F-097D3AFC4F58}" srcOrd="1" destOrd="0" parTransId="{6E837BCC-3D6F-48BE-A732-B5E66D1FA5CD}" sibTransId="{3986C711-715A-4B0C-8E76-BFB6A37836CF}"/>
+    <dgm:cxn modelId="{E2F581CB-78B2-4D81-B07E-540AB7F7DD42}" type="presOf" srcId="{CBC8114E-72A7-4F99-9CD7-165D6B793917}" destId="{D8DC1095-699D-4CF0-929F-8D43EAC2E950}" srcOrd="0" destOrd="0" presId="urn:microsoft.com/office/officeart/2005/8/layout/vList5"/>
     <dgm:cxn modelId="{5608514B-9BD3-4FA8-9990-18D17734A979}" srcId="{B8E3BE33-78E3-430B-B17B-82F12715A909}" destId="{7DB7EF64-5214-4B48-A786-2BFEB054D3FD}" srcOrd="1" destOrd="0" parTransId="{29CBFE56-1872-4DED-9FBD-07555D5BA1C1}" sibTransId="{D27F2418-50E9-496D-91A8-D2B3779C7B32}"/>
-    <dgm:cxn modelId="{6EC63001-5918-4DD5-AAE0-6779C97AB75D}" type="presOf" srcId="{70FC67BD-DE5C-4634-878F-1F71263ACA15}" destId="{16685516-2B3B-405E-B7A8-CA60CF319AEF}" srcOrd="0" destOrd="0" presId="urn:microsoft.com/office/officeart/2005/8/layout/vList5"/>
-    <dgm:cxn modelId="{F054ADCA-C1A8-4016-A124-C183DFEF3979}" type="presOf" srcId="{7DB7EF64-5214-4B48-A786-2BFEB054D3FD}" destId="{41FBEF5D-B7B9-4300-93B9-A2E777800EC2}" srcOrd="0" destOrd="0" presId="urn:microsoft.com/office/officeart/2005/8/layout/vList5"/>
-    <dgm:cxn modelId="{9C28316D-9405-451D-BFCD-38B7DAF90F6C}" type="presOf" srcId="{B8E3BE33-78E3-430B-B17B-82F12715A909}" destId="{93FC642A-2F5A-42A1-AE79-27E5A773F90A}" srcOrd="0" destOrd="0" presId="urn:microsoft.com/office/officeart/2005/8/layout/vList5"/>
+    <dgm:cxn modelId="{79B826B9-275E-4689-9199-F684C84D27B0}" type="presOf" srcId="{5CECBB0A-BFF1-4D36-A307-78ADC0EC1C63}" destId="{16685516-2B3B-405E-B7A8-CA60CF319AEF}" srcOrd="0" destOrd="1" presId="urn:microsoft.com/office/officeart/2005/8/layout/vList5"/>
     <dgm:cxn modelId="{246C85F5-23E8-443E-A439-1222DE921028}" type="presParOf" srcId="{93FC642A-2F5A-42A1-AE79-27E5A773F90A}" destId="{3653677A-DB53-43D3-9BA0-BBF0B6A8C2B2}" srcOrd="0" destOrd="0" presId="urn:microsoft.com/office/officeart/2005/8/layout/vList5"/>
     <dgm:cxn modelId="{57DFFB42-EEEB-4CEA-9422-7291F2305774}" type="presParOf" srcId="{3653677A-DB53-43D3-9BA0-BBF0B6A8C2B2}" destId="{A097F433-7E43-4E1A-9CA2-79FEE72C59A6}" srcOrd="0" destOrd="0" presId="urn:microsoft.com/office/officeart/2005/8/layout/vList5"/>
     <dgm:cxn modelId="{C160F8AD-8475-4BEA-9559-758C53527310}" type="presParOf" srcId="{3653677A-DB53-43D3-9BA0-BBF0B6A8C2B2}" destId="{16685516-2B3B-405E-B7A8-CA60CF319AEF}" srcOrd="1" destOrd="0" presId="urn:microsoft.com/office/officeart/2005/8/layout/vList5"/>
@@ -6129,6 +6213,13 @@
         </dgm:presLayoutVars>
       </dgm:prSet>
       <dgm:spPr/>
+      <dgm:t>
+        <a:bodyPr/>
+        <a:lstStyle/>
+        <a:p>
+          <a:endParaRPr lang="zh-CN" altLang="en-US"/>
+        </a:p>
+      </dgm:t>
     </dgm:pt>
     <dgm:pt modelId="{DC9875BF-F6B0-49AE-A3EE-915DB08147D2}" type="pres">
       <dgm:prSet presAssocID="{3F7FAA87-CF0B-4ED4-AD86-24665E45A3A2}" presName="ellipse" presStyleLbl="trBgShp" presStyleIdx="0" presStyleCnt="1"/>
@@ -6145,6 +6236,13 @@
         </dgm:presLayoutVars>
       </dgm:prSet>
       <dgm:spPr/>
+      <dgm:t>
+        <a:bodyPr/>
+        <a:lstStyle/>
+        <a:p>
+          <a:endParaRPr lang="zh-CN" altLang="en-US"/>
+        </a:p>
+      </dgm:t>
     </dgm:pt>
     <dgm:pt modelId="{63E7AABA-D565-4451-86E3-42A17643E2E2}" type="pres">
       <dgm:prSet presAssocID="{F6829261-90BF-4633-B3ED-7E5A17FFAB05}" presName="item1" presStyleLbl="node1" presStyleIdx="0" presStyleCnt="3">
@@ -6168,6 +6266,13 @@
         </dgm:presLayoutVars>
       </dgm:prSet>
       <dgm:spPr/>
+      <dgm:t>
+        <a:bodyPr/>
+        <a:lstStyle/>
+        <a:p>
+          <a:endParaRPr lang="zh-CN" altLang="en-US"/>
+        </a:p>
+      </dgm:t>
     </dgm:pt>
     <dgm:pt modelId="{1CE83BE8-965D-4CBD-A0A7-41EE535935C2}" type="pres">
       <dgm:prSet presAssocID="{E6DA47CB-70F4-464C-ACE1-52DFC203C349}" presName="item3" presStyleLbl="node1" presStyleIdx="2" presStyleCnt="3">
@@ -6176,6 +6281,13 @@
         </dgm:presLayoutVars>
       </dgm:prSet>
       <dgm:spPr/>
+      <dgm:t>
+        <a:bodyPr/>
+        <a:lstStyle/>
+        <a:p>
+          <a:endParaRPr lang="zh-CN" altLang="en-US"/>
+        </a:p>
+      </dgm:t>
     </dgm:pt>
     <dgm:pt modelId="{82B947BE-D4CB-449C-8D6D-AFA3FFBAF185}" type="pres">
       <dgm:prSet presAssocID="{3F7FAA87-CF0B-4ED4-AD86-24665E45A3A2}" presName="funnel" presStyleLbl="trAlignAcc1" presStyleIdx="0" presStyleCnt="1"/>
@@ -7102,419 +7214,6 @@
       <dsp:cNvGrpSpPr/>
     </dsp:nvGrpSpPr>
     <dsp:grpSpPr/>
-    <dsp:sp modelId="{16685516-2B3B-405E-B7A8-CA60CF319AEF}">
-      <dsp:nvSpPr>
-        <dsp:cNvPr id="0" name=""/>
-        <dsp:cNvSpPr/>
-      </dsp:nvSpPr>
-      <dsp:spPr>
-        <a:xfrm rot="5400000">
-          <a:off x="2734893" y="-1074651"/>
-          <a:ext cx="1166473" cy="3318128"/>
-        </a:xfrm>
-        <a:prstGeom prst="round2SameRect">
-          <a:avLst/>
-        </a:prstGeom>
-        <a:solidFill>
-          <a:schemeClr val="accent1">
-            <a:alpha val="90000"/>
-            <a:tint val="40000"/>
-            <a:hueOff val="0"/>
-            <a:satOff val="0"/>
-            <a:lumOff val="0"/>
-            <a:alphaOff val="0"/>
-          </a:schemeClr>
-        </a:solidFill>
-        <a:ln w="25400" cap="flat" cmpd="sng" algn="ctr">
-          <a:solidFill>
-            <a:schemeClr val="accent1">
-              <a:alpha val="90000"/>
-              <a:tint val="40000"/>
-              <a:hueOff val="0"/>
-              <a:satOff val="0"/>
-              <a:lumOff val="0"/>
-              <a:alphaOff val="0"/>
-            </a:schemeClr>
-          </a:solidFill>
-          <a:prstDash val="solid"/>
-        </a:ln>
-        <a:effectLst/>
-      </dsp:spPr>
-      <dsp:style>
-        <a:lnRef idx="2">
-          <a:scrgbClr r="0" g="0" b="0"/>
-        </a:lnRef>
-        <a:fillRef idx="1">
-          <a:scrgbClr r="0" g="0" b="0"/>
-        </a:fillRef>
-        <a:effectRef idx="0">
-          <a:scrgbClr r="0" g="0" b="0"/>
-        </a:effectRef>
-        <a:fontRef idx="minor"/>
-      </dsp:style>
-      <dsp:txBody>
-        <a:bodyPr spcFirstLastPara="0" vert="horz" wrap="square" lIns="247650" tIns="123825" rIns="247650" bIns="123825" numCol="1" spcCol="1270" anchor="ctr" anchorCtr="0">
-          <a:noAutofit/>
-        </a:bodyPr>
-        <a:lstStyle/>
-        <a:p>
-          <a:pPr marL="171450" lvl="1" indent="-171450" algn="l" defTabSz="800100">
-            <a:lnSpc>
-              <a:spcPct val="90000"/>
-            </a:lnSpc>
-            <a:spcBef>
-              <a:spcPct val="0"/>
-            </a:spcBef>
-            <a:spcAft>
-              <a:spcPct val="15000"/>
-            </a:spcAft>
-            <a:buChar char="••"/>
-          </a:pPr>
-          <a:r>
-            <a:rPr lang="zh-CN" altLang="en-US" sz="1800" kern="1200" dirty="0" smtClean="0">
-              <a:latin typeface="微软雅黑" panose="020B0503020204020204" pitchFamily="34" charset="-122"/>
-              <a:ea typeface="微软雅黑" panose="020B0503020204020204" pitchFamily="34" charset="-122"/>
-            </a:rPr>
-            <a:t>挤压函数</a:t>
-          </a:r>
-          <a:endParaRPr lang="zh-CN" altLang="en-US" sz="1800" kern="1200" dirty="0">
-            <a:latin typeface="微软雅黑" panose="020B0503020204020204" pitchFamily="34" charset="-122"/>
-            <a:ea typeface="微软雅黑" panose="020B0503020204020204" pitchFamily="34" charset="-122"/>
-          </a:endParaRPr>
-        </a:p>
-        <a:p>
-          <a:pPr marL="171450" lvl="1" indent="-171450" algn="l" defTabSz="800100">
-            <a:lnSpc>
-              <a:spcPct val="90000"/>
-            </a:lnSpc>
-            <a:spcBef>
-              <a:spcPct val="0"/>
-            </a:spcBef>
-            <a:spcAft>
-              <a:spcPct val="15000"/>
-            </a:spcAft>
-            <a:buChar char="••"/>
-          </a:pPr>
-          <a:r>
-            <a:rPr lang="zh-CN" altLang="en-US" sz="1800" kern="1200" dirty="0" smtClean="0">
-              <a:latin typeface="微软雅黑" panose="020B0503020204020204" pitchFamily="34" charset="-122"/>
-              <a:ea typeface="微软雅黑" panose="020B0503020204020204" pitchFamily="34" charset="-122"/>
-            </a:rPr>
-            <a:t>处处可微</a:t>
-          </a:r>
-          <a:endParaRPr lang="zh-CN" altLang="en-US" sz="1800" kern="1200" dirty="0">
-            <a:latin typeface="微软雅黑" panose="020B0503020204020204" pitchFamily="34" charset="-122"/>
-            <a:ea typeface="微软雅黑" panose="020B0503020204020204" pitchFamily="34" charset="-122"/>
-          </a:endParaRPr>
-        </a:p>
-      </dsp:txBody>
-      <dsp:txXfrm rot="-5400000">
-        <a:off x="1659066" y="58119"/>
-        <a:ext cx="3261185" cy="1052587"/>
-      </dsp:txXfrm>
-    </dsp:sp>
-    <dsp:sp modelId="{A097F433-7E43-4E1A-9CA2-79FEE72C59A6}">
-      <dsp:nvSpPr>
-        <dsp:cNvPr id="0" name=""/>
-        <dsp:cNvSpPr/>
-      </dsp:nvSpPr>
-      <dsp:spPr>
-        <a:xfrm>
-          <a:off x="207380" y="30731"/>
-          <a:ext cx="1451685" cy="1105408"/>
-        </a:xfrm>
-        <a:prstGeom prst="roundRect">
-          <a:avLst/>
-        </a:prstGeom>
-        <a:solidFill>
-          <a:schemeClr val="accent1">
-            <a:hueOff val="0"/>
-            <a:satOff val="0"/>
-            <a:lumOff val="0"/>
-            <a:alphaOff val="0"/>
-          </a:schemeClr>
-        </a:solidFill>
-        <a:ln w="25400" cap="flat" cmpd="sng" algn="ctr">
-          <a:solidFill>
-            <a:schemeClr val="lt1">
-              <a:hueOff val="0"/>
-              <a:satOff val="0"/>
-              <a:lumOff val="0"/>
-              <a:alphaOff val="0"/>
-            </a:schemeClr>
-          </a:solidFill>
-          <a:prstDash val="solid"/>
-        </a:ln>
-        <a:effectLst/>
-      </dsp:spPr>
-      <dsp:style>
-        <a:lnRef idx="2">
-          <a:scrgbClr r="0" g="0" b="0"/>
-        </a:lnRef>
-        <a:fillRef idx="1">
-          <a:scrgbClr r="0" g="0" b="0"/>
-        </a:fillRef>
-        <a:effectRef idx="0">
-          <a:scrgbClr r="0" g="0" b="0"/>
-        </a:effectRef>
-        <a:fontRef idx="minor">
-          <a:schemeClr val="lt1"/>
-        </a:fontRef>
-      </dsp:style>
-      <dsp:txBody>
-        <a:bodyPr spcFirstLastPara="0" vert="horz" wrap="square" lIns="68580" tIns="34290" rIns="68580" bIns="34290" numCol="1" spcCol="1270" anchor="ctr" anchorCtr="0">
-          <a:noAutofit/>
-        </a:bodyPr>
-        <a:lstStyle/>
-        <a:p>
-          <a:pPr lvl="0" algn="ctr" defTabSz="800100">
-            <a:lnSpc>
-              <a:spcPct val="90000"/>
-            </a:lnSpc>
-            <a:spcBef>
-              <a:spcPct val="0"/>
-            </a:spcBef>
-            <a:spcAft>
-              <a:spcPct val="35000"/>
-            </a:spcAft>
-          </a:pPr>
-          <a:r>
-            <a:rPr lang="zh-CN" altLang="en-US" sz="1800" kern="1200" dirty="0" smtClean="0">
-              <a:latin typeface="微软雅黑" panose="020B0503020204020204" pitchFamily="34" charset="-122"/>
-              <a:ea typeface="微软雅黑" panose="020B0503020204020204" pitchFamily="34" charset="-122"/>
-            </a:rPr>
-            <a:t>优点</a:t>
-          </a:r>
-          <a:endParaRPr lang="zh-CN" altLang="en-US" sz="1800" kern="1200" dirty="0">
-            <a:latin typeface="微软雅黑" panose="020B0503020204020204" pitchFamily="34" charset="-122"/>
-            <a:ea typeface="微软雅黑" panose="020B0503020204020204" pitchFamily="34" charset="-122"/>
-          </a:endParaRPr>
-        </a:p>
-      </dsp:txBody>
-      <dsp:txXfrm>
-        <a:off x="261342" y="84693"/>
-        <a:ext cx="1343761" cy="997484"/>
-      </dsp:txXfrm>
-    </dsp:sp>
-    <dsp:sp modelId="{D8DC1095-699D-4CF0-929F-8D43EAC2E950}">
-      <dsp:nvSpPr>
-        <dsp:cNvPr id="0" name=""/>
-        <dsp:cNvSpPr/>
-      </dsp:nvSpPr>
-      <dsp:spPr>
-        <a:xfrm rot="5400000">
-          <a:off x="2734893" y="164726"/>
-          <a:ext cx="1166473" cy="3318128"/>
-        </a:xfrm>
-        <a:prstGeom prst="round2SameRect">
-          <a:avLst/>
-        </a:prstGeom>
-        <a:solidFill>
-          <a:schemeClr val="accent1">
-            <a:alpha val="90000"/>
-            <a:tint val="40000"/>
-            <a:hueOff val="0"/>
-            <a:satOff val="0"/>
-            <a:lumOff val="0"/>
-            <a:alphaOff val="0"/>
-          </a:schemeClr>
-        </a:solidFill>
-        <a:ln w="25400" cap="flat" cmpd="sng" algn="ctr">
-          <a:solidFill>
-            <a:schemeClr val="accent1">
-              <a:alpha val="90000"/>
-              <a:tint val="40000"/>
-              <a:hueOff val="0"/>
-              <a:satOff val="0"/>
-              <a:lumOff val="0"/>
-              <a:alphaOff val="0"/>
-            </a:schemeClr>
-          </a:solidFill>
-          <a:prstDash val="solid"/>
-        </a:ln>
-        <a:effectLst/>
-      </dsp:spPr>
-      <dsp:style>
-        <a:lnRef idx="2">
-          <a:scrgbClr r="0" g="0" b="0"/>
-        </a:lnRef>
-        <a:fillRef idx="1">
-          <a:scrgbClr r="0" g="0" b="0"/>
-        </a:fillRef>
-        <a:effectRef idx="0">
-          <a:scrgbClr r="0" g="0" b="0"/>
-        </a:effectRef>
-        <a:fontRef idx="minor"/>
-      </dsp:style>
-      <dsp:txBody>
-        <a:bodyPr spcFirstLastPara="0" vert="horz" wrap="square" lIns="247650" tIns="123825" rIns="247650" bIns="123825" numCol="1" spcCol="1270" anchor="ctr" anchorCtr="0">
-          <a:noAutofit/>
-        </a:bodyPr>
-        <a:lstStyle/>
-        <a:p>
-          <a:pPr marL="171450" lvl="1" indent="-171450" algn="l" defTabSz="800100">
-            <a:lnSpc>
-              <a:spcPct val="90000"/>
-            </a:lnSpc>
-            <a:spcBef>
-              <a:spcPct val="0"/>
-            </a:spcBef>
-            <a:spcAft>
-              <a:spcPct val="15000"/>
-            </a:spcAft>
-            <a:buChar char="••"/>
-          </a:pPr>
-          <a:r>
-            <a:rPr lang="zh-CN" altLang="en-US" sz="1800" kern="1200" dirty="0" smtClean="0">
-              <a:latin typeface="微软雅黑" panose="020B0503020204020204" pitchFamily="34" charset="-122"/>
-              <a:ea typeface="微软雅黑" panose="020B0503020204020204" pitchFamily="34" charset="-122"/>
-            </a:rPr>
-            <a:t>非中心对称结构</a:t>
-          </a:r>
-          <a:endParaRPr lang="zh-CN" altLang="en-US" sz="1800" kern="1200" dirty="0">
-            <a:latin typeface="微软雅黑" panose="020B0503020204020204" pitchFamily="34" charset="-122"/>
-            <a:ea typeface="微软雅黑" panose="020B0503020204020204" pitchFamily="34" charset="-122"/>
-          </a:endParaRPr>
-        </a:p>
-        <a:p>
-          <a:pPr marL="171450" lvl="1" indent="-171450" algn="l" defTabSz="800100">
-            <a:lnSpc>
-              <a:spcPct val="90000"/>
-            </a:lnSpc>
-            <a:spcBef>
-              <a:spcPct val="0"/>
-            </a:spcBef>
-            <a:spcAft>
-              <a:spcPct val="15000"/>
-            </a:spcAft>
-            <a:buChar char="••"/>
-          </a:pPr>
-          <a:r>
-            <a:rPr lang="zh-CN" altLang="en-US" sz="1800" kern="1200" dirty="0" smtClean="0">
-              <a:latin typeface="微软雅黑" panose="020B0503020204020204" pitchFamily="34" charset="-122"/>
-              <a:ea typeface="微软雅黑" panose="020B0503020204020204" pitchFamily="34" charset="-122"/>
-            </a:rPr>
-            <a:t>两个饱和区</a:t>
-          </a:r>
-          <a:endParaRPr lang="zh-CN" altLang="en-US" sz="1800" kern="1200" dirty="0">
-            <a:latin typeface="微软雅黑" panose="020B0503020204020204" pitchFamily="34" charset="-122"/>
-            <a:ea typeface="微软雅黑" panose="020B0503020204020204" pitchFamily="34" charset="-122"/>
-          </a:endParaRPr>
-        </a:p>
-        <a:p>
-          <a:pPr marL="171450" lvl="1" indent="-171450" algn="l" defTabSz="800100">
-            <a:lnSpc>
-              <a:spcPct val="90000"/>
-            </a:lnSpc>
-            <a:spcBef>
-              <a:spcPct val="0"/>
-            </a:spcBef>
-            <a:spcAft>
-              <a:spcPct val="15000"/>
-            </a:spcAft>
-            <a:buChar char="••"/>
-          </a:pPr>
-          <a:r>
-            <a:rPr lang="zh-CN" altLang="en-US" sz="1800" kern="1200" dirty="0" smtClean="0">
-              <a:latin typeface="微软雅黑" panose="020B0503020204020204" pitchFamily="34" charset="-122"/>
-              <a:ea typeface="微软雅黑" panose="020B0503020204020204" pitchFamily="34" charset="-122"/>
-            </a:rPr>
-            <a:t>指数计算量大</a:t>
-          </a:r>
-          <a:endParaRPr lang="zh-CN" altLang="en-US" sz="1800" kern="1200" dirty="0">
-            <a:latin typeface="微软雅黑" panose="020B0503020204020204" pitchFamily="34" charset="-122"/>
-            <a:ea typeface="微软雅黑" panose="020B0503020204020204" pitchFamily="34" charset="-122"/>
-          </a:endParaRPr>
-        </a:p>
-      </dsp:txBody>
-      <dsp:txXfrm rot="-5400000">
-        <a:off x="1659066" y="1297497"/>
-        <a:ext cx="3261185" cy="1052587"/>
-      </dsp:txXfrm>
-    </dsp:sp>
-    <dsp:sp modelId="{41FBEF5D-B7B9-4300-93B9-A2E777800EC2}">
-      <dsp:nvSpPr>
-        <dsp:cNvPr id="0" name=""/>
-        <dsp:cNvSpPr/>
-      </dsp:nvSpPr>
-      <dsp:spPr>
-        <a:xfrm>
-          <a:off x="207380" y="1285653"/>
-          <a:ext cx="1451685" cy="1076276"/>
-        </a:xfrm>
-        <a:prstGeom prst="roundRect">
-          <a:avLst/>
-        </a:prstGeom>
-        <a:solidFill>
-          <a:schemeClr val="accent1">
-            <a:hueOff val="0"/>
-            <a:satOff val="0"/>
-            <a:lumOff val="0"/>
-            <a:alphaOff val="0"/>
-          </a:schemeClr>
-        </a:solidFill>
-        <a:ln w="25400" cap="flat" cmpd="sng" algn="ctr">
-          <a:solidFill>
-            <a:schemeClr val="lt1">
-              <a:hueOff val="0"/>
-              <a:satOff val="0"/>
-              <a:lumOff val="0"/>
-              <a:alphaOff val="0"/>
-            </a:schemeClr>
-          </a:solidFill>
-          <a:prstDash val="solid"/>
-        </a:ln>
-        <a:effectLst/>
-      </dsp:spPr>
-      <dsp:style>
-        <a:lnRef idx="2">
-          <a:scrgbClr r="0" g="0" b="0"/>
-        </a:lnRef>
-        <a:fillRef idx="1">
-          <a:scrgbClr r="0" g="0" b="0"/>
-        </a:fillRef>
-        <a:effectRef idx="0">
-          <a:scrgbClr r="0" g="0" b="0"/>
-        </a:effectRef>
-        <a:fontRef idx="minor">
-          <a:schemeClr val="lt1"/>
-        </a:fontRef>
-      </dsp:style>
-      <dsp:txBody>
-        <a:bodyPr spcFirstLastPara="0" vert="horz" wrap="square" lIns="68580" tIns="34290" rIns="68580" bIns="34290" numCol="1" spcCol="1270" anchor="ctr" anchorCtr="0">
-          <a:noAutofit/>
-        </a:bodyPr>
-        <a:lstStyle/>
-        <a:p>
-          <a:pPr lvl="0" algn="ctr" defTabSz="800100">
-            <a:lnSpc>
-              <a:spcPct val="90000"/>
-            </a:lnSpc>
-            <a:spcBef>
-              <a:spcPct val="0"/>
-            </a:spcBef>
-            <a:spcAft>
-              <a:spcPct val="35000"/>
-            </a:spcAft>
-          </a:pPr>
-          <a:r>
-            <a:rPr lang="zh-CN" altLang="en-US" sz="1800" kern="1200" dirty="0" smtClean="0">
-              <a:latin typeface="微软雅黑" panose="020B0503020204020204" pitchFamily="34" charset="-122"/>
-              <a:ea typeface="微软雅黑" panose="020B0503020204020204" pitchFamily="34" charset="-122"/>
-            </a:rPr>
-            <a:t>缺点</a:t>
-          </a:r>
-          <a:endParaRPr lang="zh-CN" altLang="en-US" sz="1800" kern="1200" dirty="0">
-            <a:latin typeface="微软雅黑" panose="020B0503020204020204" pitchFamily="34" charset="-122"/>
-            <a:ea typeface="微软雅黑" panose="020B0503020204020204" pitchFamily="34" charset="-122"/>
-          </a:endParaRPr>
-        </a:p>
-      </dsp:txBody>
-      <dsp:txXfrm>
-        <a:off x="259919" y="1338192"/>
-        <a:ext cx="1346607" cy="971198"/>
-      </dsp:txXfrm>
-    </dsp:sp>
   </dsp:spTree>
 </dsp:drawing>
 </file>
@@ -7527,394 +7226,6 @@
       <dsp:cNvGrpSpPr/>
     </dsp:nvGrpSpPr>
     <dsp:grpSpPr/>
-    <dsp:sp modelId="{16685516-2B3B-405E-B7A8-CA60CF319AEF}">
-      <dsp:nvSpPr>
-        <dsp:cNvPr id="0" name=""/>
-        <dsp:cNvSpPr/>
-      </dsp:nvSpPr>
-      <dsp:spPr>
-        <a:xfrm rot="5400000">
-          <a:off x="2734893" y="-1074651"/>
-          <a:ext cx="1166473" cy="3318128"/>
-        </a:xfrm>
-        <a:prstGeom prst="round2SameRect">
-          <a:avLst/>
-        </a:prstGeom>
-        <a:solidFill>
-          <a:schemeClr val="accent1">
-            <a:alpha val="90000"/>
-            <a:tint val="40000"/>
-            <a:hueOff val="0"/>
-            <a:satOff val="0"/>
-            <a:lumOff val="0"/>
-            <a:alphaOff val="0"/>
-          </a:schemeClr>
-        </a:solidFill>
-        <a:ln w="25400" cap="flat" cmpd="sng" algn="ctr">
-          <a:solidFill>
-            <a:schemeClr val="accent1">
-              <a:alpha val="90000"/>
-              <a:tint val="40000"/>
-              <a:hueOff val="0"/>
-              <a:satOff val="0"/>
-              <a:lumOff val="0"/>
-              <a:alphaOff val="0"/>
-            </a:schemeClr>
-          </a:solidFill>
-          <a:prstDash val="solid"/>
-        </a:ln>
-        <a:effectLst/>
-      </dsp:spPr>
-      <dsp:style>
-        <a:lnRef idx="2">
-          <a:scrgbClr r="0" g="0" b="0"/>
-        </a:lnRef>
-        <a:fillRef idx="1">
-          <a:scrgbClr r="0" g="0" b="0"/>
-        </a:fillRef>
-        <a:effectRef idx="0">
-          <a:scrgbClr r="0" g="0" b="0"/>
-        </a:effectRef>
-        <a:fontRef idx="minor"/>
-      </dsp:style>
-      <dsp:txBody>
-        <a:bodyPr spcFirstLastPara="0" vert="horz" wrap="square" lIns="247650" tIns="123825" rIns="247650" bIns="123825" numCol="1" spcCol="1270" anchor="ctr" anchorCtr="0">
-          <a:noAutofit/>
-        </a:bodyPr>
-        <a:lstStyle/>
-        <a:p>
-          <a:pPr marL="171450" lvl="1" indent="-171450" algn="l" defTabSz="800100">
-            <a:lnSpc>
-              <a:spcPct val="90000"/>
-            </a:lnSpc>
-            <a:spcBef>
-              <a:spcPct val="0"/>
-            </a:spcBef>
-            <a:spcAft>
-              <a:spcPct val="15000"/>
-            </a:spcAft>
-            <a:buChar char="••"/>
-          </a:pPr>
-          <a:r>
-            <a:rPr lang="zh-CN" altLang="en-US" sz="1800" kern="1200" dirty="0" smtClean="0">
-              <a:latin typeface="微软雅黑" panose="020B0503020204020204" pitchFamily="34" charset="-122"/>
-              <a:ea typeface="微软雅黑" panose="020B0503020204020204" pitchFamily="34" charset="-122"/>
-            </a:rPr>
-            <a:t>零点中心对称</a:t>
-          </a:r>
-          <a:endParaRPr lang="zh-CN" altLang="en-US" sz="1800" kern="1200" dirty="0">
-            <a:latin typeface="微软雅黑" panose="020B0503020204020204" pitchFamily="34" charset="-122"/>
-            <a:ea typeface="微软雅黑" panose="020B0503020204020204" pitchFamily="34" charset="-122"/>
-          </a:endParaRPr>
-        </a:p>
-        <a:p>
-          <a:pPr marL="171450" lvl="1" indent="-171450" algn="l" defTabSz="800100">
-            <a:lnSpc>
-              <a:spcPct val="90000"/>
-            </a:lnSpc>
-            <a:spcBef>
-              <a:spcPct val="0"/>
-            </a:spcBef>
-            <a:spcAft>
-              <a:spcPct val="15000"/>
-            </a:spcAft>
-            <a:buChar char="••"/>
-          </a:pPr>
-          <a:r>
-            <a:rPr lang="zh-CN" altLang="en-US" sz="1800" kern="1200" dirty="0" smtClean="0">
-              <a:latin typeface="微软雅黑" panose="020B0503020204020204" pitchFamily="34" charset="-122"/>
-              <a:ea typeface="微软雅黑" panose="020B0503020204020204" pitchFamily="34" charset="-122"/>
-            </a:rPr>
-            <a:t>处处可微</a:t>
-          </a:r>
-          <a:endParaRPr lang="zh-CN" altLang="en-US" sz="1800" kern="1200" dirty="0">
-            <a:latin typeface="微软雅黑" panose="020B0503020204020204" pitchFamily="34" charset="-122"/>
-            <a:ea typeface="微软雅黑" panose="020B0503020204020204" pitchFamily="34" charset="-122"/>
-          </a:endParaRPr>
-        </a:p>
-      </dsp:txBody>
-      <dsp:txXfrm rot="-5400000">
-        <a:off x="1659066" y="58119"/>
-        <a:ext cx="3261185" cy="1052587"/>
-      </dsp:txXfrm>
-    </dsp:sp>
-    <dsp:sp modelId="{A097F433-7E43-4E1A-9CA2-79FEE72C59A6}">
-      <dsp:nvSpPr>
-        <dsp:cNvPr id="0" name=""/>
-        <dsp:cNvSpPr/>
-      </dsp:nvSpPr>
-      <dsp:spPr>
-        <a:xfrm>
-          <a:off x="207380" y="30731"/>
-          <a:ext cx="1451685" cy="1105408"/>
-        </a:xfrm>
-        <a:prstGeom prst="roundRect">
-          <a:avLst/>
-        </a:prstGeom>
-        <a:solidFill>
-          <a:schemeClr val="accent1">
-            <a:hueOff val="0"/>
-            <a:satOff val="0"/>
-            <a:lumOff val="0"/>
-            <a:alphaOff val="0"/>
-          </a:schemeClr>
-        </a:solidFill>
-        <a:ln w="25400" cap="flat" cmpd="sng" algn="ctr">
-          <a:solidFill>
-            <a:schemeClr val="lt1">
-              <a:hueOff val="0"/>
-              <a:satOff val="0"/>
-              <a:lumOff val="0"/>
-              <a:alphaOff val="0"/>
-            </a:schemeClr>
-          </a:solidFill>
-          <a:prstDash val="solid"/>
-        </a:ln>
-        <a:effectLst/>
-      </dsp:spPr>
-      <dsp:style>
-        <a:lnRef idx="2">
-          <a:scrgbClr r="0" g="0" b="0"/>
-        </a:lnRef>
-        <a:fillRef idx="1">
-          <a:scrgbClr r="0" g="0" b="0"/>
-        </a:fillRef>
-        <a:effectRef idx="0">
-          <a:scrgbClr r="0" g="0" b="0"/>
-        </a:effectRef>
-        <a:fontRef idx="minor">
-          <a:schemeClr val="lt1"/>
-        </a:fontRef>
-      </dsp:style>
-      <dsp:txBody>
-        <a:bodyPr spcFirstLastPara="0" vert="horz" wrap="square" lIns="68580" tIns="34290" rIns="68580" bIns="34290" numCol="1" spcCol="1270" anchor="ctr" anchorCtr="0">
-          <a:noAutofit/>
-        </a:bodyPr>
-        <a:lstStyle/>
-        <a:p>
-          <a:pPr lvl="0" algn="ctr" defTabSz="800100">
-            <a:lnSpc>
-              <a:spcPct val="90000"/>
-            </a:lnSpc>
-            <a:spcBef>
-              <a:spcPct val="0"/>
-            </a:spcBef>
-            <a:spcAft>
-              <a:spcPct val="35000"/>
-            </a:spcAft>
-          </a:pPr>
-          <a:r>
-            <a:rPr lang="zh-CN" altLang="en-US" sz="1800" kern="1200" dirty="0" smtClean="0">
-              <a:latin typeface="微软雅黑" panose="020B0503020204020204" pitchFamily="34" charset="-122"/>
-              <a:ea typeface="微软雅黑" panose="020B0503020204020204" pitchFamily="34" charset="-122"/>
-            </a:rPr>
-            <a:t>优点</a:t>
-          </a:r>
-          <a:endParaRPr lang="zh-CN" altLang="en-US" sz="1800" kern="1200" dirty="0">
-            <a:latin typeface="微软雅黑" panose="020B0503020204020204" pitchFamily="34" charset="-122"/>
-            <a:ea typeface="微软雅黑" panose="020B0503020204020204" pitchFamily="34" charset="-122"/>
-          </a:endParaRPr>
-        </a:p>
-      </dsp:txBody>
-      <dsp:txXfrm>
-        <a:off x="261342" y="84693"/>
-        <a:ext cx="1343761" cy="997484"/>
-      </dsp:txXfrm>
-    </dsp:sp>
-    <dsp:sp modelId="{D8DC1095-699D-4CF0-929F-8D43EAC2E950}">
-      <dsp:nvSpPr>
-        <dsp:cNvPr id="0" name=""/>
-        <dsp:cNvSpPr/>
-      </dsp:nvSpPr>
-      <dsp:spPr>
-        <a:xfrm rot="5400000">
-          <a:off x="2734893" y="164726"/>
-          <a:ext cx="1166473" cy="3318128"/>
-        </a:xfrm>
-        <a:prstGeom prst="round2SameRect">
-          <a:avLst/>
-        </a:prstGeom>
-        <a:solidFill>
-          <a:schemeClr val="accent1">
-            <a:alpha val="90000"/>
-            <a:tint val="40000"/>
-            <a:hueOff val="0"/>
-            <a:satOff val="0"/>
-            <a:lumOff val="0"/>
-            <a:alphaOff val="0"/>
-          </a:schemeClr>
-        </a:solidFill>
-        <a:ln w="25400" cap="flat" cmpd="sng" algn="ctr">
-          <a:solidFill>
-            <a:schemeClr val="accent1">
-              <a:alpha val="90000"/>
-              <a:tint val="40000"/>
-              <a:hueOff val="0"/>
-              <a:satOff val="0"/>
-              <a:lumOff val="0"/>
-              <a:alphaOff val="0"/>
-            </a:schemeClr>
-          </a:solidFill>
-          <a:prstDash val="solid"/>
-        </a:ln>
-        <a:effectLst/>
-      </dsp:spPr>
-      <dsp:style>
-        <a:lnRef idx="2">
-          <a:scrgbClr r="0" g="0" b="0"/>
-        </a:lnRef>
-        <a:fillRef idx="1">
-          <a:scrgbClr r="0" g="0" b="0"/>
-        </a:fillRef>
-        <a:effectRef idx="0">
-          <a:scrgbClr r="0" g="0" b="0"/>
-        </a:effectRef>
-        <a:fontRef idx="minor"/>
-      </dsp:style>
-      <dsp:txBody>
-        <a:bodyPr spcFirstLastPara="0" vert="horz" wrap="square" lIns="247650" tIns="123825" rIns="247650" bIns="123825" numCol="1" spcCol="1270" anchor="ctr" anchorCtr="0">
-          <a:noAutofit/>
-        </a:bodyPr>
-        <a:lstStyle/>
-        <a:p>
-          <a:pPr marL="171450" lvl="1" indent="-171450" algn="l" defTabSz="800100">
-            <a:lnSpc>
-              <a:spcPct val="90000"/>
-            </a:lnSpc>
-            <a:spcBef>
-              <a:spcPct val="0"/>
-            </a:spcBef>
-            <a:spcAft>
-              <a:spcPct val="15000"/>
-            </a:spcAft>
-            <a:buChar char="••"/>
-          </a:pPr>
-          <a:r>
-            <a:rPr lang="zh-CN" altLang="en-US" sz="1800" kern="1200" dirty="0" smtClean="0">
-              <a:latin typeface="微软雅黑" panose="020B0503020204020204" pitchFamily="34" charset="-122"/>
-              <a:ea typeface="微软雅黑" panose="020B0503020204020204" pitchFamily="34" charset="-122"/>
-            </a:rPr>
-            <a:t>两个饱和区</a:t>
-          </a:r>
-          <a:endParaRPr lang="zh-CN" altLang="en-US" sz="1800" kern="1200" dirty="0">
-            <a:latin typeface="微软雅黑" panose="020B0503020204020204" pitchFamily="34" charset="-122"/>
-            <a:ea typeface="微软雅黑" panose="020B0503020204020204" pitchFamily="34" charset="-122"/>
-          </a:endParaRPr>
-        </a:p>
-        <a:p>
-          <a:pPr marL="171450" lvl="1" indent="-171450" algn="l" defTabSz="800100">
-            <a:lnSpc>
-              <a:spcPct val="90000"/>
-            </a:lnSpc>
-            <a:spcBef>
-              <a:spcPct val="0"/>
-            </a:spcBef>
-            <a:spcAft>
-              <a:spcPct val="15000"/>
-            </a:spcAft>
-            <a:buChar char="••"/>
-          </a:pPr>
-          <a:r>
-            <a:rPr lang="zh-CN" altLang="en-US" sz="1800" kern="1200" dirty="0" smtClean="0">
-              <a:latin typeface="微软雅黑" panose="020B0503020204020204" pitchFamily="34" charset="-122"/>
-              <a:ea typeface="微软雅黑" panose="020B0503020204020204" pitchFamily="34" charset="-122"/>
-            </a:rPr>
-            <a:t>指数计算量大</a:t>
-          </a:r>
-          <a:endParaRPr lang="zh-CN" altLang="en-US" sz="1800" kern="1200" dirty="0">
-            <a:latin typeface="微软雅黑" panose="020B0503020204020204" pitchFamily="34" charset="-122"/>
-            <a:ea typeface="微软雅黑" panose="020B0503020204020204" pitchFamily="34" charset="-122"/>
-          </a:endParaRPr>
-        </a:p>
-      </dsp:txBody>
-      <dsp:txXfrm rot="-5400000">
-        <a:off x="1659066" y="1297497"/>
-        <a:ext cx="3261185" cy="1052587"/>
-      </dsp:txXfrm>
-    </dsp:sp>
-    <dsp:sp modelId="{41FBEF5D-B7B9-4300-93B9-A2E777800EC2}">
-      <dsp:nvSpPr>
-        <dsp:cNvPr id="0" name=""/>
-        <dsp:cNvSpPr/>
-      </dsp:nvSpPr>
-      <dsp:spPr>
-        <a:xfrm>
-          <a:off x="207380" y="1285653"/>
-          <a:ext cx="1451685" cy="1076276"/>
-        </a:xfrm>
-        <a:prstGeom prst="roundRect">
-          <a:avLst/>
-        </a:prstGeom>
-        <a:solidFill>
-          <a:schemeClr val="accent1">
-            <a:hueOff val="0"/>
-            <a:satOff val="0"/>
-            <a:lumOff val="0"/>
-            <a:alphaOff val="0"/>
-          </a:schemeClr>
-        </a:solidFill>
-        <a:ln w="25400" cap="flat" cmpd="sng" algn="ctr">
-          <a:solidFill>
-            <a:schemeClr val="lt1">
-              <a:hueOff val="0"/>
-              <a:satOff val="0"/>
-              <a:lumOff val="0"/>
-              <a:alphaOff val="0"/>
-            </a:schemeClr>
-          </a:solidFill>
-          <a:prstDash val="solid"/>
-        </a:ln>
-        <a:effectLst/>
-      </dsp:spPr>
-      <dsp:style>
-        <a:lnRef idx="2">
-          <a:scrgbClr r="0" g="0" b="0"/>
-        </a:lnRef>
-        <a:fillRef idx="1">
-          <a:scrgbClr r="0" g="0" b="0"/>
-        </a:fillRef>
-        <a:effectRef idx="0">
-          <a:scrgbClr r="0" g="0" b="0"/>
-        </a:effectRef>
-        <a:fontRef idx="minor">
-          <a:schemeClr val="lt1"/>
-        </a:fontRef>
-      </dsp:style>
-      <dsp:txBody>
-        <a:bodyPr spcFirstLastPara="0" vert="horz" wrap="square" lIns="68580" tIns="34290" rIns="68580" bIns="34290" numCol="1" spcCol="1270" anchor="ctr" anchorCtr="0">
-          <a:noAutofit/>
-        </a:bodyPr>
-        <a:lstStyle/>
-        <a:p>
-          <a:pPr lvl="0" algn="ctr" defTabSz="800100">
-            <a:lnSpc>
-              <a:spcPct val="90000"/>
-            </a:lnSpc>
-            <a:spcBef>
-              <a:spcPct val="0"/>
-            </a:spcBef>
-            <a:spcAft>
-              <a:spcPct val="35000"/>
-            </a:spcAft>
-          </a:pPr>
-          <a:r>
-            <a:rPr lang="zh-CN" altLang="en-US" sz="1800" kern="1200" dirty="0" smtClean="0">
-              <a:latin typeface="微软雅黑" panose="020B0503020204020204" pitchFamily="34" charset="-122"/>
-              <a:ea typeface="微软雅黑" panose="020B0503020204020204" pitchFamily="34" charset="-122"/>
-            </a:rPr>
-            <a:t>缺点</a:t>
-          </a:r>
-          <a:endParaRPr lang="zh-CN" altLang="en-US" sz="1800" kern="1200" dirty="0">
-            <a:latin typeface="微软雅黑" panose="020B0503020204020204" pitchFamily="34" charset="-122"/>
-            <a:ea typeface="微软雅黑" panose="020B0503020204020204" pitchFamily="34" charset="-122"/>
-          </a:endParaRPr>
-        </a:p>
-      </dsp:txBody>
-      <dsp:txXfrm>
-        <a:off x="259919" y="1338192"/>
-        <a:ext cx="1346607" cy="971198"/>
-      </dsp:txXfrm>
-    </dsp:sp>
   </dsp:spTree>
 </dsp:drawing>
 </file>
@@ -7927,465 +7238,6 @@
       <dsp:cNvGrpSpPr/>
     </dsp:nvGrpSpPr>
     <dsp:grpSpPr/>
-    <dsp:sp modelId="{DC9875BF-F6B0-49AE-A3EE-915DB08147D2}">
-      <dsp:nvSpPr>
-        <dsp:cNvPr id="0" name=""/>
-        <dsp:cNvSpPr/>
-      </dsp:nvSpPr>
-      <dsp:spPr>
-        <a:xfrm>
-          <a:off x="1769918" y="208037"/>
-          <a:ext cx="4128743" cy="1433858"/>
-        </a:xfrm>
-        <a:prstGeom prst="ellipse">
-          <a:avLst/>
-        </a:prstGeom>
-        <a:solidFill>
-          <a:schemeClr val="accent1">
-            <a:tint val="50000"/>
-            <a:alpha val="40000"/>
-            <a:hueOff val="0"/>
-            <a:satOff val="0"/>
-            <a:lumOff val="0"/>
-            <a:alphaOff val="0"/>
-          </a:schemeClr>
-        </a:solidFill>
-        <a:ln>
-          <a:noFill/>
-        </a:ln>
-        <a:effectLst/>
-      </dsp:spPr>
-      <dsp:style>
-        <a:lnRef idx="0">
-          <a:scrgbClr r="0" g="0" b="0"/>
-        </a:lnRef>
-        <a:fillRef idx="1">
-          <a:scrgbClr r="0" g="0" b="0"/>
-        </a:fillRef>
-        <a:effectRef idx="0">
-          <a:scrgbClr r="0" g="0" b="0"/>
-        </a:effectRef>
-        <a:fontRef idx="minor"/>
-      </dsp:style>
-    </dsp:sp>
-    <dsp:sp modelId="{BE31FE41-0D58-492F-AD04-13EE1C064DC1}">
-      <dsp:nvSpPr>
-        <dsp:cNvPr id="0" name=""/>
-        <dsp:cNvSpPr/>
-      </dsp:nvSpPr>
-      <dsp:spPr>
-        <a:xfrm>
-          <a:off x="3440619" y="3719069"/>
-          <a:ext cx="800144" cy="512092"/>
-        </a:xfrm>
-        <a:prstGeom prst="downArrow">
-          <a:avLst/>
-        </a:prstGeom>
-        <a:solidFill>
-          <a:schemeClr val="accent1">
-            <a:tint val="60000"/>
-            <a:hueOff val="0"/>
-            <a:satOff val="0"/>
-            <a:lumOff val="0"/>
-            <a:alphaOff val="0"/>
-          </a:schemeClr>
-        </a:solidFill>
-        <a:ln w="25400" cap="flat" cmpd="sng" algn="ctr">
-          <a:solidFill>
-            <a:schemeClr val="lt1">
-              <a:hueOff val="0"/>
-              <a:satOff val="0"/>
-              <a:lumOff val="0"/>
-              <a:alphaOff val="0"/>
-            </a:schemeClr>
-          </a:solidFill>
-          <a:prstDash val="solid"/>
-        </a:ln>
-        <a:effectLst/>
-      </dsp:spPr>
-      <dsp:style>
-        <a:lnRef idx="2">
-          <a:scrgbClr r="0" g="0" b="0"/>
-        </a:lnRef>
-        <a:fillRef idx="1">
-          <a:scrgbClr r="0" g="0" b="0"/>
-        </a:fillRef>
-        <a:effectRef idx="0">
-          <a:scrgbClr r="0" g="0" b="0"/>
-        </a:effectRef>
-        <a:fontRef idx="minor"/>
-      </dsp:style>
-    </dsp:sp>
-    <dsp:sp modelId="{64796616-58FE-4119-B304-F904150C77A9}">
-      <dsp:nvSpPr>
-        <dsp:cNvPr id="0" name=""/>
-        <dsp:cNvSpPr/>
-      </dsp:nvSpPr>
-      <dsp:spPr>
-        <a:xfrm>
-          <a:off x="1920345" y="4128743"/>
-          <a:ext cx="3840691" cy="960172"/>
-        </a:xfrm>
-        <a:prstGeom prst="rect">
-          <a:avLst/>
-        </a:prstGeom>
-        <a:noFill/>
-        <a:ln>
-          <a:noFill/>
-        </a:ln>
-        <a:effectLst/>
-      </dsp:spPr>
-      <dsp:style>
-        <a:lnRef idx="0">
-          <a:scrgbClr r="0" g="0" b="0"/>
-        </a:lnRef>
-        <a:fillRef idx="0">
-          <a:scrgbClr r="0" g="0" b="0"/>
-        </a:fillRef>
-        <a:effectRef idx="0">
-          <a:scrgbClr r="0" g="0" b="0"/>
-        </a:effectRef>
-        <a:fontRef idx="minor"/>
-      </dsp:style>
-      <dsp:txBody>
-        <a:bodyPr spcFirstLastPara="0" vert="horz" wrap="square" lIns="192024" tIns="192024" rIns="192024" bIns="192024" numCol="1" spcCol="1270" anchor="ctr" anchorCtr="0">
-          <a:noAutofit/>
-        </a:bodyPr>
-        <a:lstStyle/>
-        <a:p>
-          <a:pPr lvl="0" algn="ctr" defTabSz="1200150">
-            <a:lnSpc>
-              <a:spcPct val="90000"/>
-            </a:lnSpc>
-            <a:spcBef>
-              <a:spcPct val="0"/>
-            </a:spcBef>
-            <a:spcAft>
-              <a:spcPct val="35000"/>
-            </a:spcAft>
-          </a:pPr>
-          <a:r>
-            <a:rPr lang="en-US" altLang="zh-CN" sz="2700" kern="1200" dirty="0" err="1" smtClean="0">
-              <a:latin typeface="微软雅黑" panose="020B0503020204020204" pitchFamily="34" charset="-122"/>
-              <a:ea typeface="微软雅黑" panose="020B0503020204020204" pitchFamily="34" charset="-122"/>
-            </a:rPr>
-            <a:t>Borel</a:t>
-          </a:r>
-          <a:r>
-            <a:rPr lang="zh-CN" altLang="en-US" sz="2700" kern="1200" dirty="0" smtClean="0">
-              <a:latin typeface="微软雅黑" panose="020B0503020204020204" pitchFamily="34" charset="-122"/>
-              <a:ea typeface="微软雅黑" panose="020B0503020204020204" pitchFamily="34" charset="-122"/>
-            </a:rPr>
-            <a:t>可测函数</a:t>
-          </a:r>
-          <a:endParaRPr lang="zh-CN" altLang="en-US" sz="2700" kern="1200" dirty="0">
-            <a:latin typeface="微软雅黑" panose="020B0503020204020204" pitchFamily="34" charset="-122"/>
-            <a:ea typeface="微软雅黑" panose="020B0503020204020204" pitchFamily="34" charset="-122"/>
-          </a:endParaRPr>
-        </a:p>
-      </dsp:txBody>
-      <dsp:txXfrm>
-        <a:off x="1920345" y="4128743"/>
-        <a:ext cx="3840691" cy="960172"/>
-      </dsp:txXfrm>
-    </dsp:sp>
-    <dsp:sp modelId="{63E7AABA-D565-4451-86E3-42A17643E2E2}">
-      <dsp:nvSpPr>
-        <dsp:cNvPr id="0" name=""/>
-        <dsp:cNvSpPr/>
-      </dsp:nvSpPr>
-      <dsp:spPr>
-        <a:xfrm>
-          <a:off x="3270988" y="1752635"/>
-          <a:ext cx="1440259" cy="1440259"/>
-        </a:xfrm>
-        <a:prstGeom prst="ellipse">
-          <a:avLst/>
-        </a:prstGeom>
-        <a:solidFill>
-          <a:schemeClr val="accent1">
-            <a:hueOff val="0"/>
-            <a:satOff val="0"/>
-            <a:lumOff val="0"/>
-            <a:alphaOff val="0"/>
-          </a:schemeClr>
-        </a:solidFill>
-        <a:ln w="25400" cap="flat" cmpd="sng" algn="ctr">
-          <a:solidFill>
-            <a:schemeClr val="lt1">
-              <a:hueOff val="0"/>
-              <a:satOff val="0"/>
-              <a:lumOff val="0"/>
-              <a:alphaOff val="0"/>
-            </a:schemeClr>
-          </a:solidFill>
-          <a:prstDash val="solid"/>
-        </a:ln>
-        <a:effectLst/>
-      </dsp:spPr>
-      <dsp:style>
-        <a:lnRef idx="2">
-          <a:scrgbClr r="0" g="0" b="0"/>
-        </a:lnRef>
-        <a:fillRef idx="1">
-          <a:scrgbClr r="0" g="0" b="0"/>
-        </a:fillRef>
-        <a:effectRef idx="0">
-          <a:scrgbClr r="0" g="0" b="0"/>
-        </a:effectRef>
-        <a:fontRef idx="minor">
-          <a:schemeClr val="lt1"/>
-        </a:fontRef>
-      </dsp:style>
-      <dsp:txBody>
-        <a:bodyPr spcFirstLastPara="0" vert="horz" wrap="square" lIns="24130" tIns="24130" rIns="24130" bIns="24130" numCol="1" spcCol="1270" anchor="ctr" anchorCtr="0">
-          <a:noAutofit/>
-        </a:bodyPr>
-        <a:lstStyle/>
-        <a:p>
-          <a:pPr lvl="0" algn="ctr" defTabSz="844550">
-            <a:lnSpc>
-              <a:spcPct val="90000"/>
-            </a:lnSpc>
-            <a:spcBef>
-              <a:spcPct val="0"/>
-            </a:spcBef>
-            <a:spcAft>
-              <a:spcPct val="35000"/>
-            </a:spcAft>
-          </a:pPr>
-          <a:r>
-            <a:rPr lang="zh-CN" altLang="en-US" sz="1900" kern="1200" dirty="0" smtClean="0">
-              <a:latin typeface="微软雅黑" panose="020B0503020204020204" pitchFamily="34" charset="-122"/>
-              <a:ea typeface="微软雅黑" panose="020B0503020204020204" pitchFamily="34" charset="-122"/>
-            </a:rPr>
-            <a:t>足够多的隐藏单元</a:t>
-          </a:r>
-          <a:endParaRPr lang="zh-CN" altLang="en-US" sz="1900" kern="1200" dirty="0">
-            <a:latin typeface="微软雅黑" panose="020B0503020204020204" pitchFamily="34" charset="-122"/>
-            <a:ea typeface="微软雅黑" panose="020B0503020204020204" pitchFamily="34" charset="-122"/>
-          </a:endParaRPr>
-        </a:p>
-      </dsp:txBody>
-      <dsp:txXfrm>
-        <a:off x="3481909" y="1963556"/>
-        <a:ext cx="1018417" cy="1018417"/>
-      </dsp:txXfrm>
-    </dsp:sp>
-    <dsp:sp modelId="{CDFC3D18-5331-4C70-9CEC-EFBB363FD9A9}">
-      <dsp:nvSpPr>
-        <dsp:cNvPr id="0" name=""/>
-        <dsp:cNvSpPr/>
-      </dsp:nvSpPr>
-      <dsp:spPr>
-        <a:xfrm>
-          <a:off x="2240403" y="672121"/>
-          <a:ext cx="1440259" cy="1440259"/>
-        </a:xfrm>
-        <a:prstGeom prst="ellipse">
-          <a:avLst/>
-        </a:prstGeom>
-        <a:solidFill>
-          <a:schemeClr val="accent1">
-            <a:hueOff val="0"/>
-            <a:satOff val="0"/>
-            <a:lumOff val="0"/>
-            <a:alphaOff val="0"/>
-          </a:schemeClr>
-        </a:solidFill>
-        <a:ln w="25400" cap="flat" cmpd="sng" algn="ctr">
-          <a:solidFill>
-            <a:schemeClr val="lt1">
-              <a:hueOff val="0"/>
-              <a:satOff val="0"/>
-              <a:lumOff val="0"/>
-              <a:alphaOff val="0"/>
-            </a:schemeClr>
-          </a:solidFill>
-          <a:prstDash val="solid"/>
-        </a:ln>
-        <a:effectLst/>
-      </dsp:spPr>
-      <dsp:style>
-        <a:lnRef idx="2">
-          <a:scrgbClr r="0" g="0" b="0"/>
-        </a:lnRef>
-        <a:fillRef idx="1">
-          <a:scrgbClr r="0" g="0" b="0"/>
-        </a:fillRef>
-        <a:effectRef idx="0">
-          <a:scrgbClr r="0" g="0" b="0"/>
-        </a:effectRef>
-        <a:fontRef idx="minor">
-          <a:schemeClr val="lt1"/>
-        </a:fontRef>
-      </dsp:style>
-      <dsp:txBody>
-        <a:bodyPr spcFirstLastPara="0" vert="horz" wrap="square" lIns="24130" tIns="24130" rIns="24130" bIns="24130" numCol="1" spcCol="1270" anchor="ctr" anchorCtr="0">
-          <a:noAutofit/>
-        </a:bodyPr>
-        <a:lstStyle/>
-        <a:p>
-          <a:pPr lvl="0" algn="ctr" defTabSz="844550">
-            <a:lnSpc>
-              <a:spcPct val="90000"/>
-            </a:lnSpc>
-            <a:spcBef>
-              <a:spcPct val="0"/>
-            </a:spcBef>
-            <a:spcAft>
-              <a:spcPct val="35000"/>
-            </a:spcAft>
-          </a:pPr>
-          <a:r>
-            <a:rPr lang="zh-CN" altLang="en-US" sz="1900" kern="1200" dirty="0" smtClean="0">
-              <a:latin typeface="微软雅黑" panose="020B0503020204020204" pitchFamily="34" charset="-122"/>
-              <a:ea typeface="微软雅黑" panose="020B0503020204020204" pitchFamily="34" charset="-122"/>
-            </a:rPr>
-            <a:t>挤压激活函数</a:t>
-          </a:r>
-          <a:endParaRPr lang="zh-CN" altLang="en-US" sz="1900" kern="1200" dirty="0">
-            <a:latin typeface="微软雅黑" panose="020B0503020204020204" pitchFamily="34" charset="-122"/>
-            <a:ea typeface="微软雅黑" panose="020B0503020204020204" pitchFamily="34" charset="-122"/>
-          </a:endParaRPr>
-        </a:p>
-      </dsp:txBody>
-      <dsp:txXfrm>
-        <a:off x="2451324" y="883042"/>
-        <a:ext cx="1018417" cy="1018417"/>
-      </dsp:txXfrm>
-    </dsp:sp>
-    <dsp:sp modelId="{1CE83BE8-965D-4CBD-A0A7-41EE535935C2}">
-      <dsp:nvSpPr>
-        <dsp:cNvPr id="0" name=""/>
-        <dsp:cNvSpPr/>
-      </dsp:nvSpPr>
-      <dsp:spPr>
-        <a:xfrm>
-          <a:off x="3712668" y="323898"/>
-          <a:ext cx="1440259" cy="1440259"/>
-        </a:xfrm>
-        <a:prstGeom prst="ellipse">
-          <a:avLst/>
-        </a:prstGeom>
-        <a:solidFill>
-          <a:schemeClr val="accent1">
-            <a:hueOff val="0"/>
-            <a:satOff val="0"/>
-            <a:lumOff val="0"/>
-            <a:alphaOff val="0"/>
-          </a:schemeClr>
-        </a:solidFill>
-        <a:ln w="25400" cap="flat" cmpd="sng" algn="ctr">
-          <a:solidFill>
-            <a:schemeClr val="lt1">
-              <a:hueOff val="0"/>
-              <a:satOff val="0"/>
-              <a:lumOff val="0"/>
-              <a:alphaOff val="0"/>
-            </a:schemeClr>
-          </a:solidFill>
-          <a:prstDash val="solid"/>
-        </a:ln>
-        <a:effectLst/>
-      </dsp:spPr>
-      <dsp:style>
-        <a:lnRef idx="2">
-          <a:scrgbClr r="0" g="0" b="0"/>
-        </a:lnRef>
-        <a:fillRef idx="1">
-          <a:scrgbClr r="0" g="0" b="0"/>
-        </a:fillRef>
-        <a:effectRef idx="0">
-          <a:scrgbClr r="0" g="0" b="0"/>
-        </a:effectRef>
-        <a:fontRef idx="minor">
-          <a:schemeClr val="lt1"/>
-        </a:fontRef>
-      </dsp:style>
-      <dsp:txBody>
-        <a:bodyPr spcFirstLastPara="0" vert="horz" wrap="square" lIns="24130" tIns="24130" rIns="24130" bIns="24130" numCol="1" spcCol="1270" anchor="ctr" anchorCtr="0">
-          <a:noAutofit/>
-        </a:bodyPr>
-        <a:lstStyle/>
-        <a:p>
-          <a:pPr lvl="0" algn="ctr" defTabSz="844550">
-            <a:lnSpc>
-              <a:spcPct val="90000"/>
-            </a:lnSpc>
-            <a:spcBef>
-              <a:spcPct val="0"/>
-            </a:spcBef>
-            <a:spcAft>
-              <a:spcPct val="35000"/>
-            </a:spcAft>
-          </a:pPr>
-          <a:r>
-            <a:rPr lang="zh-CN" altLang="en-US" sz="1900" kern="1200" dirty="0" smtClean="0">
-              <a:latin typeface="微软雅黑" panose="020B0503020204020204" pitchFamily="34" charset="-122"/>
-              <a:ea typeface="微软雅黑" panose="020B0503020204020204" pitchFamily="34" charset="-122"/>
-            </a:rPr>
-            <a:t>线性输出层</a:t>
-          </a:r>
-          <a:endParaRPr lang="zh-CN" altLang="en-US" sz="1900" kern="1200" dirty="0">
-            <a:latin typeface="微软雅黑" panose="020B0503020204020204" pitchFamily="34" charset="-122"/>
-            <a:ea typeface="微软雅黑" panose="020B0503020204020204" pitchFamily="34" charset="-122"/>
-          </a:endParaRPr>
-        </a:p>
-      </dsp:txBody>
-      <dsp:txXfrm>
-        <a:off x="3923589" y="534819"/>
-        <a:ext cx="1018417" cy="1018417"/>
-      </dsp:txXfrm>
-    </dsp:sp>
-    <dsp:sp modelId="{82B947BE-D4CB-449C-8D6D-AFA3FFBAF185}">
-      <dsp:nvSpPr>
-        <dsp:cNvPr id="0" name=""/>
-        <dsp:cNvSpPr/>
-      </dsp:nvSpPr>
-      <dsp:spPr>
-        <a:xfrm>
-          <a:off x="1600288" y="32005"/>
-          <a:ext cx="4480806" cy="3584645"/>
-        </a:xfrm>
-        <a:prstGeom prst="funnel">
-          <a:avLst/>
-        </a:prstGeom>
-        <a:solidFill>
-          <a:schemeClr val="lt1">
-            <a:alpha val="40000"/>
-            <a:hueOff val="0"/>
-            <a:satOff val="0"/>
-            <a:lumOff val="0"/>
-            <a:alphaOff val="0"/>
-          </a:schemeClr>
-        </a:solidFill>
-        <a:ln w="9525" cap="flat" cmpd="sng" algn="ctr">
-          <a:solidFill>
-            <a:schemeClr val="accent1">
-              <a:hueOff val="0"/>
-              <a:satOff val="0"/>
-              <a:lumOff val="0"/>
-              <a:alphaOff val="0"/>
-            </a:schemeClr>
-          </a:solidFill>
-          <a:prstDash val="solid"/>
-        </a:ln>
-        <a:effectLst/>
-      </dsp:spPr>
-      <dsp:style>
-        <a:lnRef idx="1">
-          <a:scrgbClr r="0" g="0" b="0"/>
-        </a:lnRef>
-        <a:fillRef idx="1">
-          <a:scrgbClr r="0" g="0" b="0"/>
-        </a:fillRef>
-        <a:effectRef idx="0">
-          <a:scrgbClr r="0" g="0" b="0"/>
-        </a:effectRef>
-        <a:fontRef idx="minor"/>
-      </dsp:style>
-    </dsp:sp>
   </dsp:spTree>
 </dsp:drawing>
 </file>
@@ -15937,7 +14789,7 @@
           <a:p>
             <a:fld id="{16B751A1-F057-4CD7-B3D0-663A5894C4B0}" type="datetimeFigureOut">
               <a:rPr lang="zh-CN" altLang="en-US" smtClean="0"/>
-              <a:t>2018/9/11</a:t>
+              <a:t>2018/9/13</a:t>
             </a:fld>
             <a:endParaRPr lang="zh-CN" altLang="en-US"/>
           </a:p>
@@ -18527,6 +17379,7 @@
               </a:bodyPr>
               <a:lstStyle/>
               <a:p>
+                <a:pPr/>
                 <a14:m>
                   <m:oMathPara xmlns:m="http://schemas.openxmlformats.org/officeDocument/2006/math">
                     <m:oMathParaPr>
@@ -18634,10 +17487,10 @@
                                       <m:t>𝜕</m:t>
                                     </m:r>
                                     <m:r>
-                                      <a:rPr lang="en-US" altLang="zh-CN" i="1">
+                                      <a:rPr lang="en-US" altLang="zh-CN" b="0" i="1" smtClean="0">
                                         <a:latin typeface="Cambria Math" panose="02040503050406030204" pitchFamily="18" charset="0"/>
                                       </a:rPr>
-                                      <m:t>𝑦</m:t>
+                                      <m:t>𝑓</m:t>
                                     </m:r>
                                   </m:num>
                                   <m:den>
@@ -18686,10 +17539,10 @@
                                       <m:t>𝜕</m:t>
                                     </m:r>
                                     <m:r>
-                                      <a:rPr lang="en-US" altLang="zh-CN" i="1">
+                                      <a:rPr lang="en-US" altLang="zh-CN" b="0" i="1" smtClean="0">
                                         <a:latin typeface="Cambria Math" panose="02040503050406030204" pitchFamily="18" charset="0"/>
                                       </a:rPr>
-                                      <m:t>𝑦</m:t>
+                                      <m:t>𝑓</m:t>
                                     </m:r>
                                   </m:num>
                                   <m:den>
@@ -18797,10 +17650,10 @@
                                             <m:t>𝜕</m:t>
                                           </m:r>
                                           <m:r>
-                                            <a:rPr lang="en-US" altLang="zh-CN" i="1">
+                                            <a:rPr lang="en-US" altLang="zh-CN" b="0" i="1" smtClean="0">
                                               <a:latin typeface="Cambria Math" panose="02040503050406030204" pitchFamily="18" charset="0"/>
                                             </a:rPr>
-                                            <m:t>𝑦</m:t>
+                                            <m:t>𝑓</m:t>
                                           </m:r>
                                         </m:num>
                                         <m:den>
@@ -18849,10 +17702,10 @@
                                             <m:t>𝜕</m:t>
                                           </m:r>
                                           <m:r>
-                                            <a:rPr lang="en-US" altLang="zh-CN" i="1">
+                                            <a:rPr lang="en-US" altLang="zh-CN" b="0" i="1" smtClean="0">
                                               <a:latin typeface="Cambria Math" panose="02040503050406030204" pitchFamily="18" charset="0"/>
                                             </a:rPr>
-                                            <m:t>𝑦</m:t>
+                                            <m:t>𝑓</m:t>
                                           </m:r>
                                         </m:num>
                                         <m:den>
@@ -19125,8 +17978,8 @@
           </a:p>
         </p:txBody>
       </p:sp>
-      <mc:AlternateContent xmlns:mc="http://schemas.openxmlformats.org/markup-compatibility/2006">
-        <mc:Choice xmlns:a14="http://schemas.microsoft.com/office/drawing/2010/main" Requires="a14">
+      <mc:AlternateContent xmlns:mc="http://schemas.openxmlformats.org/markup-compatibility/2006" xmlns:a14="http://schemas.microsoft.com/office/drawing/2010/main">
+        <mc:Choice Requires="a14">
           <p:sp>
             <p:nvSpPr>
               <p:cNvPr id="12" name="文本框 11"/>
@@ -19149,6 +18002,7 @@
               </a:bodyPr>
               <a:lstStyle/>
               <a:p>
+                <a:pPr/>
                 <a14:m>
                   <m:oMathPara xmlns:m="http://schemas.openxmlformats.org/officeDocument/2006/math">
                     <m:oMathParaPr>
@@ -19251,7 +18105,7 @@
             </p:txBody>
           </p:sp>
         </mc:Choice>
-        <mc:Fallback>
+        <mc:Fallback xmlns="">
           <p:sp>
             <p:nvSpPr>
               <p:cNvPr id="12" name="文本框 11"/>
@@ -19360,6 +18214,7 @@
               </a:bodyPr>
               <a:lstStyle/>
               <a:p>
+                <a:pPr/>
                 <a14:m>
                   <m:oMathPara xmlns:m="http://schemas.openxmlformats.org/officeDocument/2006/math">
                     <m:oMathParaPr>
@@ -19385,10 +18240,10 @@
                             <m:t>𝜕</m:t>
                           </m:r>
                           <m:r>
-                            <a:rPr lang="en-US" altLang="zh-CN" i="1">
+                            <a:rPr lang="en-US" altLang="zh-CN" b="0" i="1" smtClean="0">
                               <a:latin typeface="Cambria Math" panose="02040503050406030204" pitchFamily="18" charset="0"/>
                             </a:rPr>
-                            <m:t>𝑦</m:t>
+                            <m:t>𝑓</m:t>
                           </m:r>
                         </m:num>
                         <m:den>
@@ -19497,6 +18352,7 @@
               </a:bodyPr>
               <a:lstStyle/>
               <a:p>
+                <a:pPr/>
                 <a14:m>
                   <m:oMathPara xmlns:m="http://schemas.openxmlformats.org/officeDocument/2006/math">
                     <m:oMathParaPr>
@@ -19522,10 +18378,10 @@
                             <m:t>𝜕</m:t>
                           </m:r>
                           <m:r>
-                            <a:rPr lang="en-US" altLang="zh-CN" i="1">
+                            <a:rPr lang="en-US" altLang="zh-CN" b="0" i="1" smtClean="0">
                               <a:latin typeface="Cambria Math" panose="02040503050406030204" pitchFamily="18" charset="0"/>
                             </a:rPr>
-                            <m:t>𝑦</m:t>
+                            <m:t>𝑓</m:t>
                           </m:r>
                         </m:num>
                         <m:den>
@@ -19658,8 +18514,8 @@
           </a:p>
         </p:txBody>
       </p:sp>
-      <mc:AlternateContent xmlns:mc="http://schemas.openxmlformats.org/markup-compatibility/2006">
-        <mc:Choice xmlns:a14="http://schemas.microsoft.com/office/drawing/2010/main" Requires="a14">
+      <mc:AlternateContent xmlns:mc="http://schemas.openxmlformats.org/markup-compatibility/2006" xmlns:a14="http://schemas.microsoft.com/office/drawing/2010/main">
+        <mc:Choice Requires="a14">
           <p:sp>
             <p:nvSpPr>
               <p:cNvPr id="17" name="矩形 16"/>
@@ -19681,6 +18537,7 @@
               </a:bodyPr>
               <a:lstStyle/>
               <a:p>
+                <a:pPr/>
                 <a14:m>
                   <m:oMathPara xmlns:m="http://schemas.openxmlformats.org/officeDocument/2006/math">
                     <m:oMathParaPr>
@@ -19744,7 +18601,7 @@
             </p:txBody>
           </p:sp>
         </mc:Choice>
-        <mc:Fallback>
+        <mc:Fallback xmlns="">
           <p:sp>
             <p:nvSpPr>
               <p:cNvPr id="17" name="矩形 16"/>
@@ -19783,8 +18640,8 @@
           </p:sp>
         </mc:Fallback>
       </mc:AlternateContent>
-      <mc:AlternateContent xmlns:mc="http://schemas.openxmlformats.org/markup-compatibility/2006">
-        <mc:Choice xmlns:a14="http://schemas.microsoft.com/office/drawing/2010/main" Requires="a14">
+      <mc:AlternateContent xmlns:mc="http://schemas.openxmlformats.org/markup-compatibility/2006" xmlns:a14="http://schemas.microsoft.com/office/drawing/2010/main">
+        <mc:Choice Requires="a14">
           <p:sp>
             <p:nvSpPr>
               <p:cNvPr id="18" name="矩形 17"/>
@@ -19806,6 +18663,7 @@
               </a:bodyPr>
               <a:lstStyle/>
               <a:p>
+                <a:pPr/>
                 <a14:m>
                   <m:oMathPara xmlns:m="http://schemas.openxmlformats.org/officeDocument/2006/math">
                     <m:oMathParaPr>
@@ -19869,7 +18727,7 @@
             </p:txBody>
           </p:sp>
         </mc:Choice>
-        <mc:Fallback>
+        <mc:Fallback xmlns="">
           <p:sp>
             <p:nvSpPr>
               <p:cNvPr id="18" name="矩形 17"/>
@@ -20384,8 +19242,8 @@
           </a:p>
         </p:txBody>
       </p:sp>
-      <mc:AlternateContent xmlns:mc="http://schemas.openxmlformats.org/markup-compatibility/2006">
-        <mc:Choice xmlns:a14="http://schemas.microsoft.com/office/drawing/2010/main" Requires="a14">
+      <mc:AlternateContent xmlns:mc="http://schemas.openxmlformats.org/markup-compatibility/2006" xmlns:a14="http://schemas.microsoft.com/office/drawing/2010/main">
+        <mc:Choice Requires="a14">
           <p:sp>
             <p:nvSpPr>
               <p:cNvPr id="19" name="矩形 18"/>
@@ -20407,6 +19265,7 @@
               </a:bodyPr>
               <a:lstStyle/>
               <a:p>
+                <a:pPr/>
                 <a14:m>
                   <m:oMathPara xmlns:m="http://schemas.openxmlformats.org/officeDocument/2006/math">
                     <m:oMathParaPr>
@@ -20526,7 +19385,7 @@
             </p:txBody>
           </p:sp>
         </mc:Choice>
-        <mc:Fallback>
+        <mc:Fallback xmlns="">
           <p:sp>
             <p:nvSpPr>
               <p:cNvPr id="19" name="矩形 18"/>
@@ -20612,8 +19471,8 @@
           </a:p>
         </p:txBody>
       </p:sp>
-      <mc:AlternateContent xmlns:mc="http://schemas.openxmlformats.org/markup-compatibility/2006">
-        <mc:Choice xmlns:a14="http://schemas.microsoft.com/office/drawing/2010/main" Requires="a14">
+      <mc:AlternateContent xmlns:mc="http://schemas.openxmlformats.org/markup-compatibility/2006" xmlns:a14="http://schemas.microsoft.com/office/drawing/2010/main">
+        <mc:Choice Requires="a14">
           <p:sp>
             <p:nvSpPr>
               <p:cNvPr id="22" name="矩形 21"/>
@@ -20635,6 +19494,7 @@
               </a:bodyPr>
               <a:lstStyle/>
               <a:p>
+                <a:pPr/>
                 <a14:m>
                   <m:oMathPara xmlns:m="http://schemas.openxmlformats.org/officeDocument/2006/math">
                     <m:oMathParaPr>
@@ -20698,7 +19558,7 @@
             </p:txBody>
           </p:sp>
         </mc:Choice>
-        <mc:Fallback>
+        <mc:Fallback xmlns="">
           <p:sp>
             <p:nvSpPr>
               <p:cNvPr id="22" name="矩形 21"/>
@@ -20784,8 +19644,8 @@
           </a:p>
         </p:txBody>
       </p:sp>
-      <mc:AlternateContent xmlns:mc="http://schemas.openxmlformats.org/markup-compatibility/2006">
-        <mc:Choice xmlns:a14="http://schemas.microsoft.com/office/drawing/2010/main" Requires="a14">
+      <mc:AlternateContent xmlns:mc="http://schemas.openxmlformats.org/markup-compatibility/2006" xmlns:a14="http://schemas.microsoft.com/office/drawing/2010/main">
+        <mc:Choice Requires="a14">
           <p:sp>
             <p:nvSpPr>
               <p:cNvPr id="24" name="矩形 23"/>
@@ -20807,6 +19667,7 @@
               </a:bodyPr>
               <a:lstStyle/>
               <a:p>
+                <a:pPr/>
                 <a14:m>
                   <m:oMathPara xmlns:m="http://schemas.openxmlformats.org/officeDocument/2006/math">
                     <m:oMathParaPr>
@@ -20852,7 +19713,7 @@
             </p:txBody>
           </p:sp>
         </mc:Choice>
-        <mc:Fallback>
+        <mc:Fallback xmlns="">
           <p:sp>
             <p:nvSpPr>
               <p:cNvPr id="24" name="矩形 23"/>
@@ -21528,8 +20389,8 @@
           </a:p>
         </p:txBody>
       </p:sp>
-      <mc:AlternateContent xmlns:mc="http://schemas.openxmlformats.org/markup-compatibility/2006">
-        <mc:Choice xmlns:a14="http://schemas.microsoft.com/office/drawing/2010/main" Requires="a14">
+      <mc:AlternateContent xmlns:mc="http://schemas.openxmlformats.org/markup-compatibility/2006" xmlns:a14="http://schemas.microsoft.com/office/drawing/2010/main">
+        <mc:Choice Requires="a14">
           <p:sp>
             <p:nvSpPr>
               <p:cNvPr id="6" name="矩形 5"/>
@@ -21816,7 +20677,7 @@
             </p:txBody>
           </p:sp>
         </mc:Choice>
-        <mc:Fallback>
+        <mc:Fallback xmlns="">
           <p:sp>
             <p:nvSpPr>
               <p:cNvPr id="6" name="矩形 5"/>
@@ -21901,8 +20762,8 @@
           </a:p>
         </p:txBody>
       </p:sp>
-      <mc:AlternateContent xmlns:mc="http://schemas.openxmlformats.org/markup-compatibility/2006">
-        <mc:Choice xmlns:a14="http://schemas.microsoft.com/office/drawing/2010/main" Requires="a14">
+      <mc:AlternateContent xmlns:mc="http://schemas.openxmlformats.org/markup-compatibility/2006" xmlns:a14="http://schemas.microsoft.com/office/drawing/2010/main">
+        <mc:Choice Requires="a14">
           <p:sp>
             <p:nvSpPr>
               <p:cNvPr id="8" name="文本框 7"/>
@@ -22148,7 +21009,7 @@
             </p:txBody>
           </p:sp>
         </mc:Choice>
-        <mc:Fallback>
+        <mc:Fallback xmlns="">
           <p:sp>
             <p:nvSpPr>
               <p:cNvPr id="8" name="文本框 7"/>
@@ -22222,8 +21083,8 @@
           </a:p>
         </p:txBody>
       </p:sp>
-      <mc:AlternateContent xmlns:mc="http://schemas.openxmlformats.org/markup-compatibility/2006">
-        <mc:Choice xmlns:a14="http://schemas.microsoft.com/office/drawing/2010/main" Requires="a14">
+      <mc:AlternateContent xmlns:mc="http://schemas.openxmlformats.org/markup-compatibility/2006" xmlns:a14="http://schemas.microsoft.com/office/drawing/2010/main">
+        <mc:Choice Requires="a14">
           <p:sp>
             <p:nvSpPr>
               <p:cNvPr id="11" name="矩形 10"/>
@@ -22245,6 +21106,7 @@
               </a:bodyPr>
               <a:lstStyle/>
               <a:p>
+                <a:pPr/>
                 <a14:m>
                   <m:oMathPara xmlns:m="http://schemas.openxmlformats.org/officeDocument/2006/math">
                     <m:oMathParaPr>
@@ -22963,7 +21825,7 @@
             </p:txBody>
           </p:sp>
         </mc:Choice>
-        <mc:Fallback>
+        <mc:Fallback xmlns="">
           <p:sp>
             <p:nvSpPr>
               <p:cNvPr id="11" name="矩形 10"/>
@@ -23085,8 +21947,8 @@
           </a:p>
         </p:txBody>
       </p:sp>
-      <mc:AlternateContent xmlns:mc="http://schemas.openxmlformats.org/markup-compatibility/2006">
-        <mc:Choice xmlns:a14="http://schemas.microsoft.com/office/drawing/2010/main" Requires="a14">
+      <mc:AlternateContent xmlns:mc="http://schemas.openxmlformats.org/markup-compatibility/2006" xmlns:a14="http://schemas.microsoft.com/office/drawing/2010/main">
+        <mc:Choice Requires="a14">
           <p:sp>
             <p:nvSpPr>
               <p:cNvPr id="4" name="矩形 3"/>
@@ -23247,7 +22109,7 @@
             </p:txBody>
           </p:sp>
         </mc:Choice>
-        <mc:Fallback>
+        <mc:Fallback xmlns="">
           <p:sp>
             <p:nvSpPr>
               <p:cNvPr id="4" name="矩形 3"/>
@@ -23286,8 +22148,8 @@
           </p:sp>
         </mc:Fallback>
       </mc:AlternateContent>
-      <mc:AlternateContent xmlns:mc="http://schemas.openxmlformats.org/markup-compatibility/2006">
-        <mc:Choice xmlns:a14="http://schemas.microsoft.com/office/drawing/2010/main" Requires="a14">
+      <mc:AlternateContent xmlns:mc="http://schemas.openxmlformats.org/markup-compatibility/2006" xmlns:a14="http://schemas.microsoft.com/office/drawing/2010/main">
+        <mc:Choice Requires="a14">
           <p:sp>
             <p:nvSpPr>
               <p:cNvPr id="5" name="文本框 4"/>
@@ -23799,7 +22661,7 @@
             </p:txBody>
           </p:sp>
         </mc:Choice>
-        <mc:Fallback>
+        <mc:Fallback xmlns="">
           <p:sp>
             <p:nvSpPr>
               <p:cNvPr id="5" name="文本框 4"/>
@@ -23873,8 +22735,8 @@
           </a:p>
         </p:txBody>
       </p:sp>
-      <mc:AlternateContent xmlns:mc="http://schemas.openxmlformats.org/markup-compatibility/2006">
-        <mc:Choice xmlns:a14="http://schemas.microsoft.com/office/drawing/2010/main" Requires="a14">
+      <mc:AlternateContent xmlns:mc="http://schemas.openxmlformats.org/markup-compatibility/2006" xmlns:a14="http://schemas.microsoft.com/office/drawing/2010/main">
+        <mc:Choice Requires="a14">
           <p:sp>
             <p:nvSpPr>
               <p:cNvPr id="8" name="文本框 7"/>
@@ -24284,7 +23146,7 @@
             </p:txBody>
           </p:sp>
         </mc:Choice>
-        <mc:Fallback>
+        <mc:Fallback xmlns="">
           <p:sp>
             <p:nvSpPr>
               <p:cNvPr id="8" name="文本框 7"/>
@@ -24323,8 +23185,8 @@
           </p:sp>
         </mc:Fallback>
       </mc:AlternateContent>
-      <mc:AlternateContent xmlns:mc="http://schemas.openxmlformats.org/markup-compatibility/2006">
-        <mc:Choice xmlns:a14="http://schemas.microsoft.com/office/drawing/2010/main" Requires="a14">
+      <mc:AlternateContent xmlns:mc="http://schemas.openxmlformats.org/markup-compatibility/2006" xmlns:a14="http://schemas.microsoft.com/office/drawing/2010/main">
+        <mc:Choice Requires="a14">
           <p:sp>
             <p:nvSpPr>
               <p:cNvPr id="11" name="矩形 10"/>
@@ -24446,7 +23308,7 @@
             </p:txBody>
           </p:sp>
         </mc:Choice>
-        <mc:Fallback>
+        <mc:Fallback xmlns="">
           <p:sp>
             <p:nvSpPr>
               <p:cNvPr id="11" name="矩形 10"/>
@@ -24652,8 +23514,8 @@
           </a:p>
         </p:txBody>
       </p:sp>
-      <mc:AlternateContent xmlns:mc="http://schemas.openxmlformats.org/markup-compatibility/2006">
-        <mc:Choice xmlns:a14="http://schemas.microsoft.com/office/drawing/2010/main" Requires="a14">
+      <mc:AlternateContent xmlns:mc="http://schemas.openxmlformats.org/markup-compatibility/2006" xmlns:a14="http://schemas.microsoft.com/office/drawing/2010/main">
+        <mc:Choice Requires="a14">
           <p:sp>
             <p:nvSpPr>
               <p:cNvPr id="6" name="矩形 5"/>
@@ -24675,6 +23537,7 @@
               </a:bodyPr>
               <a:lstStyle/>
               <a:p>
+                <a:pPr/>
                 <a14:m>
                   <m:oMathPara xmlns:m="http://schemas.openxmlformats.org/officeDocument/2006/math">
                     <m:oMathParaPr>
@@ -24855,7 +23718,7 @@
             </p:txBody>
           </p:sp>
         </mc:Choice>
-        <mc:Fallback>
+        <mc:Fallback xmlns="">
           <p:sp>
             <p:nvSpPr>
               <p:cNvPr id="6" name="矩形 5"/>
@@ -25634,15 +24497,7 @@
                   <a:srgbClr val="FF0000"/>
                 </a:solidFill>
               </a:rPr>
-              <a:t>	</a:t>
-            </a:r>
-            <a:r>
-              <a:rPr kumimoji="1" lang="en-US" altLang="zh-CN" dirty="0" smtClean="0">
-                <a:solidFill>
-                  <a:srgbClr val="FF0000"/>
-                </a:solidFill>
-              </a:rPr>
-              <a:t>QA</a:t>
+              <a:t>	QA</a:t>
             </a:r>
             <a:endParaRPr kumimoji="1" lang="zh-CN" altLang="en-US" dirty="0">
               <a:solidFill>
@@ -29180,8 +28035,8 @@
           </p:txBody>
         </p:sp>
       </p:grpSp>
-      <mc:AlternateContent xmlns:mc="http://schemas.openxmlformats.org/markup-compatibility/2006">
-        <mc:Choice xmlns:a14="http://schemas.microsoft.com/office/drawing/2010/main" Requires="a14">
+      <mc:AlternateContent xmlns:mc="http://schemas.openxmlformats.org/markup-compatibility/2006" xmlns:a14="http://schemas.microsoft.com/office/drawing/2010/main">
+        <mc:Choice Requires="a14">
           <p:sp>
             <p:nvSpPr>
               <p:cNvPr id="32" name="文本框 31"/>
@@ -29204,6 +28059,7 @@
               </a:bodyPr>
               <a:lstStyle/>
               <a:p>
+                <a:pPr/>
                 <a14:m>
                   <m:oMathPara xmlns:m="http://schemas.openxmlformats.org/officeDocument/2006/math">
                     <m:oMathParaPr>
@@ -29321,7 +28177,7 @@
             </p:txBody>
           </p:sp>
         </mc:Choice>
-        <mc:Fallback>
+        <mc:Fallback xmlns="">
           <p:sp>
             <p:nvSpPr>
               <p:cNvPr id="32" name="文本框 31"/>
@@ -29374,8 +28230,8 @@
             <a:chExt cx="4955071" cy="1226233"/>
           </a:xfrm>
         </p:grpSpPr>
-        <mc:AlternateContent xmlns:mc="http://schemas.openxmlformats.org/markup-compatibility/2006">
-          <mc:Choice xmlns:a14="http://schemas.microsoft.com/office/drawing/2010/main" Requires="a14">
+        <mc:AlternateContent xmlns:mc="http://schemas.openxmlformats.org/markup-compatibility/2006" xmlns:a14="http://schemas.microsoft.com/office/drawing/2010/main">
+          <mc:Choice Requires="a14">
             <p:sp>
               <p:nvSpPr>
                 <p:cNvPr id="36" name="文本框 35"/>
@@ -29398,6 +28254,7 @@
                 </a:bodyPr>
                 <a:lstStyle/>
                 <a:p>
+                  <a:pPr/>
                   <a14:m>
                     <m:oMathPara xmlns:m="http://schemas.openxmlformats.org/officeDocument/2006/math">
                       <m:oMathParaPr>
@@ -29585,7 +28442,7 @@
               </p:txBody>
             </p:sp>
           </mc:Choice>
-          <mc:Fallback>
+          <mc:Fallback xmlns="">
             <p:sp>
               <p:nvSpPr>
                 <p:cNvPr id="36" name="文本框 35"/>
@@ -29624,8 +28481,8 @@
             </p:sp>
           </mc:Fallback>
         </mc:AlternateContent>
-        <mc:AlternateContent xmlns:mc="http://schemas.openxmlformats.org/markup-compatibility/2006">
-          <mc:Choice xmlns:a14="http://schemas.microsoft.com/office/drawing/2010/main" Requires="a14">
+        <mc:AlternateContent xmlns:mc="http://schemas.openxmlformats.org/markup-compatibility/2006" xmlns:a14="http://schemas.microsoft.com/office/drawing/2010/main">
+          <mc:Choice Requires="a14">
             <p:sp>
               <p:nvSpPr>
                 <p:cNvPr id="37" name="矩形 36"/>
@@ -29647,6 +28504,7 @@
                 </a:bodyPr>
                 <a:lstStyle/>
                 <a:p>
+                  <a:pPr/>
                   <a14:m>
                     <m:oMathPara xmlns:m="http://schemas.openxmlformats.org/officeDocument/2006/math">
                       <m:oMathParaPr>
@@ -29754,7 +28612,7 @@
               </p:txBody>
             </p:sp>
           </mc:Choice>
-          <mc:Fallback>
+          <mc:Fallback xmlns="">
             <p:sp>
               <p:nvSpPr>
                 <p:cNvPr id="37" name="矩形 36"/>
@@ -29793,8 +28651,8 @@
             </p:sp>
           </mc:Fallback>
         </mc:AlternateContent>
-        <mc:AlternateContent xmlns:mc="http://schemas.openxmlformats.org/markup-compatibility/2006">
-          <mc:Choice xmlns:a14="http://schemas.microsoft.com/office/drawing/2010/main" Requires="a14">
+        <mc:AlternateContent xmlns:mc="http://schemas.openxmlformats.org/markup-compatibility/2006" xmlns:a14="http://schemas.microsoft.com/office/drawing/2010/main">
+          <mc:Choice Requires="a14">
             <p:sp>
               <p:nvSpPr>
                 <p:cNvPr id="38" name="矩形 37"/>
@@ -29816,6 +28674,7 @@
                 </a:bodyPr>
                 <a:lstStyle/>
                 <a:p>
+                  <a:pPr/>
                   <a14:m>
                     <m:oMathPara xmlns:m="http://schemas.openxmlformats.org/officeDocument/2006/math">
                       <m:oMathParaPr>
@@ -29854,7 +28713,7 @@
               </p:txBody>
             </p:sp>
           </mc:Choice>
-          <mc:Fallback>
+          <mc:Fallback xmlns="">
             <p:sp>
               <p:nvSpPr>
                 <p:cNvPr id="38" name="矩形 37"/>
@@ -29916,6 +28775,7 @@
                 </a:bodyPr>
                 <a:lstStyle/>
                 <a:p>
+                  <a:pPr/>
                   <a14:m>
                     <m:oMathPara xmlns:m="http://schemas.openxmlformats.org/officeDocument/2006/math">
                       <m:oMathParaPr>
@@ -30210,8 +29070,8 @@
             <a:chExt cx="5219207" cy="581647"/>
           </a:xfrm>
         </p:grpSpPr>
-        <mc:AlternateContent xmlns:mc="http://schemas.openxmlformats.org/markup-compatibility/2006">
-          <mc:Choice xmlns:a14="http://schemas.microsoft.com/office/drawing/2010/main" Requires="a14">
+        <mc:AlternateContent xmlns:mc="http://schemas.openxmlformats.org/markup-compatibility/2006" xmlns:a14="http://schemas.microsoft.com/office/drawing/2010/main">
+          <mc:Choice Requires="a14">
             <p:sp>
               <p:nvSpPr>
                 <p:cNvPr id="33" name="矩形 32"/>
@@ -30233,6 +29093,7 @@
                 </a:bodyPr>
                 <a:lstStyle/>
                 <a:p>
+                  <a:pPr/>
                   <a14:m>
                     <m:oMathPara xmlns:m="http://schemas.openxmlformats.org/officeDocument/2006/math">
                       <m:oMathParaPr>
@@ -30324,7 +29185,7 @@
               </p:txBody>
             </p:sp>
           </mc:Choice>
-          <mc:Fallback>
+          <mc:Fallback xmlns="">
             <p:sp>
               <p:nvSpPr>
                 <p:cNvPr id="33" name="矩形 32"/>
@@ -30363,8 +29224,8 @@
             </p:sp>
           </mc:Fallback>
         </mc:AlternateContent>
-        <mc:AlternateContent xmlns:mc="http://schemas.openxmlformats.org/markup-compatibility/2006">
-          <mc:Choice xmlns:a14="http://schemas.microsoft.com/office/drawing/2010/main" Requires="a14">
+        <mc:AlternateContent xmlns:mc="http://schemas.openxmlformats.org/markup-compatibility/2006" xmlns:a14="http://schemas.microsoft.com/office/drawing/2010/main">
+          <mc:Choice Requires="a14">
             <p:sp>
               <p:nvSpPr>
                 <p:cNvPr id="34" name="矩形 33"/>
@@ -30386,6 +29247,7 @@
                 </a:bodyPr>
                 <a:lstStyle/>
                 <a:p>
+                  <a:pPr/>
                   <a14:m>
                     <m:oMathPara xmlns:m="http://schemas.openxmlformats.org/officeDocument/2006/math">
                       <m:oMathParaPr>
@@ -30505,7 +29367,7 @@
               </p:txBody>
             </p:sp>
           </mc:Choice>
-          <mc:Fallback>
+          <mc:Fallback xmlns="">
             <p:sp>
               <p:nvSpPr>
                 <p:cNvPr id="34" name="矩形 33"/>
@@ -30544,8 +29406,8 @@
             </p:sp>
           </mc:Fallback>
         </mc:AlternateContent>
-        <mc:AlternateContent xmlns:mc="http://schemas.openxmlformats.org/markup-compatibility/2006">
-          <mc:Choice xmlns:a14="http://schemas.microsoft.com/office/drawing/2010/main" Requires="a14">
+        <mc:AlternateContent xmlns:mc="http://schemas.openxmlformats.org/markup-compatibility/2006" xmlns:a14="http://schemas.microsoft.com/office/drawing/2010/main">
+          <mc:Choice Requires="a14">
             <p:sp>
               <p:nvSpPr>
                 <p:cNvPr id="35" name="矩形 34"/>
@@ -30567,6 +29429,7 @@
                 </a:bodyPr>
                 <a:lstStyle/>
                 <a:p>
+                  <a:pPr/>
                   <a14:m>
                     <m:oMathPara xmlns:m="http://schemas.openxmlformats.org/officeDocument/2006/math">
                       <m:oMathParaPr>
@@ -30658,7 +29521,7 @@
               </p:txBody>
             </p:sp>
           </mc:Choice>
-          <mc:Fallback>
+          <mc:Fallback xmlns="">
             <p:sp>
               <p:nvSpPr>
                 <p:cNvPr id="35" name="矩形 34"/>
@@ -30697,8 +29560,8 @@
             </p:sp>
           </mc:Fallback>
         </mc:AlternateContent>
-        <mc:AlternateContent xmlns:mc="http://schemas.openxmlformats.org/markup-compatibility/2006">
-          <mc:Choice xmlns:a14="http://schemas.microsoft.com/office/drawing/2010/main" Requires="a14">
+        <mc:AlternateContent xmlns:mc="http://schemas.openxmlformats.org/markup-compatibility/2006" xmlns:a14="http://schemas.microsoft.com/office/drawing/2010/main">
+          <mc:Choice Requires="a14">
             <p:sp>
               <p:nvSpPr>
                 <p:cNvPr id="43" name="文本框 42"/>
@@ -30721,6 +29584,7 @@
                 </a:bodyPr>
                 <a:lstStyle/>
                 <a:p>
+                  <a:pPr/>
                   <a14:m>
                     <m:oMathPara xmlns:m="http://schemas.openxmlformats.org/officeDocument/2006/math">
                       <m:oMathParaPr>
@@ -30762,7 +29626,7 @@
               </p:txBody>
             </p:sp>
           </mc:Choice>
-          <mc:Fallback>
+          <mc:Fallback xmlns="">
             <p:sp>
               <p:nvSpPr>
                 <p:cNvPr id="43" name="文本框 42"/>
@@ -30816,8 +29680,8 @@
             <a:chExt cx="4411027" cy="651865"/>
           </a:xfrm>
         </p:grpSpPr>
-        <mc:AlternateContent xmlns:mc="http://schemas.openxmlformats.org/markup-compatibility/2006">
-          <mc:Choice xmlns:a14="http://schemas.microsoft.com/office/drawing/2010/main" Requires="a14">
+        <mc:AlternateContent xmlns:mc="http://schemas.openxmlformats.org/markup-compatibility/2006" xmlns:a14="http://schemas.microsoft.com/office/drawing/2010/main">
+          <mc:Choice Requires="a14">
             <p:sp>
               <p:nvSpPr>
                 <p:cNvPr id="44" name="矩形 43"/>
@@ -30839,6 +29703,7 @@
                 </a:bodyPr>
                 <a:lstStyle/>
                 <a:p>
+                  <a:pPr/>
                   <a14:m>
                     <m:oMathPara xmlns:m="http://schemas.openxmlformats.org/officeDocument/2006/math">
                       <m:oMathParaPr>
@@ -30937,7 +29802,7 @@
               </p:txBody>
             </p:sp>
           </mc:Choice>
-          <mc:Fallback>
+          <mc:Fallback xmlns="">
             <p:sp>
               <p:nvSpPr>
                 <p:cNvPr id="44" name="矩形 43"/>
@@ -30976,8 +29841,8 @@
             </p:sp>
           </mc:Fallback>
         </mc:AlternateContent>
-        <mc:AlternateContent xmlns:mc="http://schemas.openxmlformats.org/markup-compatibility/2006">
-          <mc:Choice xmlns:a14="http://schemas.microsoft.com/office/drawing/2010/main" Requires="a14">
+        <mc:AlternateContent xmlns:mc="http://schemas.openxmlformats.org/markup-compatibility/2006" xmlns:a14="http://schemas.microsoft.com/office/drawing/2010/main">
+          <mc:Choice Requires="a14">
             <p:sp>
               <p:nvSpPr>
                 <p:cNvPr id="45" name="矩形 44"/>
@@ -30999,6 +29864,7 @@
                 </a:bodyPr>
                 <a:lstStyle/>
                 <a:p>
+                  <a:pPr/>
                   <a14:m>
                     <m:oMathPara xmlns:m="http://schemas.openxmlformats.org/officeDocument/2006/math">
                       <m:oMathParaPr>
@@ -31075,7 +29941,7 @@
               </p:txBody>
             </p:sp>
           </mc:Choice>
-          <mc:Fallback>
+          <mc:Fallback xmlns="">
             <p:sp>
               <p:nvSpPr>
                 <p:cNvPr id="45" name="矩形 44"/>
@@ -31114,8 +29980,8 @@
             </p:sp>
           </mc:Fallback>
         </mc:AlternateContent>
-        <mc:AlternateContent xmlns:mc="http://schemas.openxmlformats.org/markup-compatibility/2006">
-          <mc:Choice xmlns:a14="http://schemas.microsoft.com/office/drawing/2010/main" Requires="a14">
+        <mc:AlternateContent xmlns:mc="http://schemas.openxmlformats.org/markup-compatibility/2006" xmlns:a14="http://schemas.microsoft.com/office/drawing/2010/main">
+          <mc:Choice Requires="a14">
             <p:sp>
               <p:nvSpPr>
                 <p:cNvPr id="46" name="矩形 45"/>
@@ -31137,6 +30003,7 @@
                 </a:bodyPr>
                 <a:lstStyle/>
                 <a:p>
+                  <a:pPr/>
                   <a14:m>
                     <m:oMathPara xmlns:m="http://schemas.openxmlformats.org/officeDocument/2006/math">
                       <m:oMathParaPr>
@@ -31219,7 +30086,7 @@
               </p:txBody>
             </p:sp>
           </mc:Choice>
-          <mc:Fallback>
+          <mc:Fallback xmlns="">
             <p:sp>
               <p:nvSpPr>
                 <p:cNvPr id="46" name="矩形 45"/>
@@ -31383,8 +30250,8 @@
               </a:p>
             </p:txBody>
           </p:sp>
-          <mc:AlternateContent xmlns:mc="http://schemas.openxmlformats.org/markup-compatibility/2006">
-            <mc:Choice xmlns:a14="http://schemas.microsoft.com/office/drawing/2010/main" Requires="a14">
+          <mc:AlternateContent xmlns:mc="http://schemas.openxmlformats.org/markup-compatibility/2006" xmlns:a14="http://schemas.microsoft.com/office/drawing/2010/main">
+            <mc:Choice Requires="a14">
               <p:sp>
                 <p:nvSpPr>
                   <p:cNvPr id="50" name="矩形 49"/>
@@ -31406,6 +30273,7 @@
                   </a:bodyPr>
                   <a:lstStyle/>
                   <a:p>
+                    <a:pPr/>
                     <a14:m>
                       <m:oMathPara xmlns:m="http://schemas.openxmlformats.org/officeDocument/2006/math">
                         <m:oMathParaPr>
@@ -31432,7 +30300,7 @@
                 </p:txBody>
               </p:sp>
             </mc:Choice>
-            <mc:Fallback>
+            <mc:Fallback xmlns="">
               <p:sp>
                 <p:nvSpPr>
                   <p:cNvPr id="50" name="矩形 49"/>
@@ -31472,8 +30340,8 @@
             </mc:Fallback>
           </mc:AlternateContent>
         </p:grpSp>
-        <mc:AlternateContent xmlns:mc="http://schemas.openxmlformats.org/markup-compatibility/2006">
-          <mc:Choice xmlns:a14="http://schemas.microsoft.com/office/drawing/2010/main" Requires="a14">
+        <mc:AlternateContent xmlns:mc="http://schemas.openxmlformats.org/markup-compatibility/2006" xmlns:a14="http://schemas.microsoft.com/office/drawing/2010/main">
+          <mc:Choice Requires="a14">
             <p:sp>
               <p:nvSpPr>
                 <p:cNvPr id="51" name="矩形 50"/>
@@ -31495,6 +30363,7 @@
                 </a:bodyPr>
                 <a:lstStyle/>
                 <a:p>
+                  <a:pPr/>
                   <a14:m>
                     <m:oMathPara xmlns:m="http://schemas.openxmlformats.org/officeDocument/2006/math">
                       <m:oMathParaPr>
@@ -31597,7 +30466,13 @@
                                           <a:rPr lang="en-US" altLang="zh-CN" b="0" i="1" smtClean="0">
                                             <a:latin typeface="Cambria Math" panose="02040503050406030204" pitchFamily="18" charset="0"/>
                                           </a:rPr>
-                                          <m:t>−1</m:t>
+                                          <m:t>−</m:t>
+                                        </m:r>
+                                        <m:r>
+                                          <a:rPr lang="en-US" altLang="zh-CN" b="0" i="1" smtClean="0">
+                                            <a:latin typeface="Cambria Math" panose="02040503050406030204" pitchFamily="18" charset="0"/>
+                                          </a:rPr>
+                                          <m:t>1</m:t>
                                         </m:r>
                                       </m:e>
                                     </m:mr>
@@ -31711,7 +30586,7 @@
               </p:txBody>
             </p:sp>
           </mc:Choice>
-          <mc:Fallback>
+          <mc:Fallback xmlns="">
             <p:sp>
               <p:nvSpPr>
                 <p:cNvPr id="51" name="矩形 50"/>
@@ -31798,8 +30673,8 @@
             </a:p>
           </p:txBody>
         </p:sp>
-        <mc:AlternateContent xmlns:mc="http://schemas.openxmlformats.org/markup-compatibility/2006">
-          <mc:Choice xmlns:a14="http://schemas.microsoft.com/office/drawing/2010/main" Requires="a14">
+        <mc:AlternateContent xmlns:mc="http://schemas.openxmlformats.org/markup-compatibility/2006" xmlns:a14="http://schemas.microsoft.com/office/drawing/2010/main">
+          <mc:Choice Requires="a14">
             <p:sp>
               <p:nvSpPr>
                 <p:cNvPr id="53" name="矩形 52"/>
@@ -31821,6 +30696,7 @@
                 </a:bodyPr>
                 <a:lstStyle/>
                 <a:p>
+                  <a:pPr/>
                   <a14:m>
                     <m:oMathPara xmlns:m="http://schemas.openxmlformats.org/officeDocument/2006/math">
                       <m:oMathParaPr>
@@ -31841,7 +30717,7 @@
               </p:txBody>
             </p:sp>
           </mc:Choice>
-          <mc:Fallback>
+          <mc:Fallback xmlns="">
             <p:sp>
               <p:nvSpPr>
                 <p:cNvPr id="53" name="矩形 52"/>
@@ -31880,8 +30756,8 @@
             </p:sp>
           </mc:Fallback>
         </mc:AlternateContent>
-        <mc:AlternateContent xmlns:mc="http://schemas.openxmlformats.org/markup-compatibility/2006">
-          <mc:Choice xmlns:a14="http://schemas.microsoft.com/office/drawing/2010/main" Requires="a14">
+        <mc:AlternateContent xmlns:mc="http://schemas.openxmlformats.org/markup-compatibility/2006" xmlns:a14="http://schemas.microsoft.com/office/drawing/2010/main">
+          <mc:Choice Requires="a14">
             <p:sp>
               <p:nvSpPr>
                 <p:cNvPr id="54" name="矩形 53"/>
@@ -31903,6 +30779,7 @@
                 </a:bodyPr>
                 <a:lstStyle/>
                 <a:p>
+                  <a:pPr/>
                   <a14:m>
                     <m:oMathPara xmlns:m="http://schemas.openxmlformats.org/officeDocument/2006/math">
                       <m:oMathParaPr>
@@ -32258,7 +31135,7 @@
               </p:txBody>
             </p:sp>
           </mc:Choice>
-          <mc:Fallback>
+          <mc:Fallback xmlns="">
             <p:sp>
               <p:nvSpPr>
                 <p:cNvPr id="54" name="矩形 53"/>
@@ -33580,8 +32457,8 @@
           </p:txBody>
         </p:sp>
       </p:grpSp>
-      <mc:AlternateContent xmlns:mc="http://schemas.openxmlformats.org/markup-compatibility/2006">
-        <mc:Choice xmlns:a14="http://schemas.microsoft.com/office/drawing/2010/main" Requires="a14">
+      <mc:AlternateContent xmlns:mc="http://schemas.openxmlformats.org/markup-compatibility/2006" xmlns:a14="http://schemas.microsoft.com/office/drawing/2010/main">
+        <mc:Choice Requires="a14">
           <p:graphicFrame>
             <p:nvGraphicFramePr>
               <p:cNvPr id="8" name="图示 7"/>
@@ -33605,7 +32482,7 @@
             </a:graphic>
           </p:graphicFrame>
         </mc:Choice>
-        <mc:Fallback>
+        <mc:Fallback xmlns="">
           <p:graphicFrame>
             <p:nvGraphicFramePr>
               <p:cNvPr id="8" name="图示 7"/>
@@ -33624,7 +32501,7 @@
             </p:xfrm>
             <a:graphic>
               <a:graphicData uri="http://schemas.openxmlformats.org/drawingml/2006/diagram">
-                <dgm:relIds xmlns:dgm="http://schemas.openxmlformats.org/drawingml/2006/diagram" xmlns:r="http://schemas.openxmlformats.org/officeDocument/2006/relationships" r:dm="rId7" r:lo="rId3" r:qs="rId4" r:cs="rId5"/>
+                <dgm:relIds xmlns:dgm="http://schemas.openxmlformats.org/drawingml/2006/diagram" xmlns:r="http://schemas.openxmlformats.org/officeDocument/2006/relationships" r:dm="rId7" r:lo="rId8" r:qs="rId9" r:cs="rId10"/>
               </a:graphicData>
             </a:graphic>
           </p:graphicFrame>
@@ -33861,8 +32738,8 @@
           </a:p>
         </p:txBody>
       </p:sp>
-      <mc:AlternateContent xmlns:mc="http://schemas.openxmlformats.org/markup-compatibility/2006">
-        <mc:Choice xmlns:a14="http://schemas.microsoft.com/office/drawing/2010/main" Requires="a14">
+      <mc:AlternateContent xmlns:mc="http://schemas.openxmlformats.org/markup-compatibility/2006" xmlns:a14="http://schemas.microsoft.com/office/drawing/2010/main">
+        <mc:Choice Requires="a14">
           <p:graphicFrame>
             <p:nvGraphicFramePr>
               <p:cNvPr id="6" name="表格 5"/>
@@ -34514,7 +33391,7 @@
             </a:graphic>
           </p:graphicFrame>
         </mc:Choice>
-        <mc:Fallback>
+        <mc:Fallback xmlns="">
           <p:graphicFrame>
             <p:nvGraphicFramePr>
               <p:cNvPr id="6" name="表格 5"/>
